--- a/ReadMeFigs.pptx
+++ b/ReadMeFigs.pptx
@@ -6,6 +6,7 @@
   </p:sldMasterIdLst>
   <p:sldIdLst>
     <p:sldId id="256" r:id="rId2"/>
+    <p:sldId id="258" r:id="rId3"/>
   </p:sldIdLst>
   <p:sldSz cx="9144000" cy="6858000" type="screen4x3"/>
   <p:notesSz cx="6858000" cy="9144000"/>
@@ -288,7 +289,7 @@
           <a:p>
             <a:fld id="{7467D55E-E3C2-8947-8179-F9326171CC7D}" type="datetimeFigureOut">
               <a:rPr lang="en-US" smtClean="0"/>
-              <a:t>29/10/15</a:t>
+              <a:t>18/04/16</a:t>
             </a:fld>
             <a:endParaRPr lang="en-US"/>
           </a:p>
@@ -458,7 +459,7 @@
           <a:p>
             <a:fld id="{7467D55E-E3C2-8947-8179-F9326171CC7D}" type="datetimeFigureOut">
               <a:rPr lang="en-US" smtClean="0"/>
-              <a:t>29/10/15</a:t>
+              <a:t>18/04/16</a:t>
             </a:fld>
             <a:endParaRPr lang="en-US"/>
           </a:p>
@@ -638,7 +639,7 @@
           <a:p>
             <a:fld id="{7467D55E-E3C2-8947-8179-F9326171CC7D}" type="datetimeFigureOut">
               <a:rPr lang="en-US" smtClean="0"/>
-              <a:t>29/10/15</a:t>
+              <a:t>18/04/16</a:t>
             </a:fld>
             <a:endParaRPr lang="en-US"/>
           </a:p>
@@ -808,7 +809,7 @@
           <a:p>
             <a:fld id="{7467D55E-E3C2-8947-8179-F9326171CC7D}" type="datetimeFigureOut">
               <a:rPr lang="en-US" smtClean="0"/>
-              <a:t>29/10/15</a:t>
+              <a:t>18/04/16</a:t>
             </a:fld>
             <a:endParaRPr lang="en-US"/>
           </a:p>
@@ -1054,7 +1055,7 @@
           <a:p>
             <a:fld id="{7467D55E-E3C2-8947-8179-F9326171CC7D}" type="datetimeFigureOut">
               <a:rPr lang="en-US" smtClean="0"/>
-              <a:t>29/10/15</a:t>
+              <a:t>18/04/16</a:t>
             </a:fld>
             <a:endParaRPr lang="en-US"/>
           </a:p>
@@ -1342,7 +1343,7 @@
           <a:p>
             <a:fld id="{7467D55E-E3C2-8947-8179-F9326171CC7D}" type="datetimeFigureOut">
               <a:rPr lang="en-US" smtClean="0"/>
-              <a:t>29/10/15</a:t>
+              <a:t>18/04/16</a:t>
             </a:fld>
             <a:endParaRPr lang="en-US"/>
           </a:p>
@@ -1764,7 +1765,7 @@
           <a:p>
             <a:fld id="{7467D55E-E3C2-8947-8179-F9326171CC7D}" type="datetimeFigureOut">
               <a:rPr lang="en-US" smtClean="0"/>
-              <a:t>29/10/15</a:t>
+              <a:t>18/04/16</a:t>
             </a:fld>
             <a:endParaRPr lang="en-US"/>
           </a:p>
@@ -1882,7 +1883,7 @@
           <a:p>
             <a:fld id="{7467D55E-E3C2-8947-8179-F9326171CC7D}" type="datetimeFigureOut">
               <a:rPr lang="en-US" smtClean="0"/>
-              <a:t>29/10/15</a:t>
+              <a:t>18/04/16</a:t>
             </a:fld>
             <a:endParaRPr lang="en-US"/>
           </a:p>
@@ -1977,7 +1978,7 @@
           <a:p>
             <a:fld id="{7467D55E-E3C2-8947-8179-F9326171CC7D}" type="datetimeFigureOut">
               <a:rPr lang="en-US" smtClean="0"/>
-              <a:t>29/10/15</a:t>
+              <a:t>18/04/16</a:t>
             </a:fld>
             <a:endParaRPr lang="en-US"/>
           </a:p>
@@ -2254,7 +2255,7 @@
           <a:p>
             <a:fld id="{7467D55E-E3C2-8947-8179-F9326171CC7D}" type="datetimeFigureOut">
               <a:rPr lang="en-US" smtClean="0"/>
-              <a:t>29/10/15</a:t>
+              <a:t>18/04/16</a:t>
             </a:fld>
             <a:endParaRPr lang="en-US"/>
           </a:p>
@@ -2507,7 +2508,7 @@
           <a:p>
             <a:fld id="{7467D55E-E3C2-8947-8179-F9326171CC7D}" type="datetimeFigureOut">
               <a:rPr lang="en-US" smtClean="0"/>
-              <a:t>29/10/15</a:t>
+              <a:t>18/04/16</a:t>
             </a:fld>
             <a:endParaRPr lang="en-US"/>
           </a:p>
@@ -2720,7 +2721,7 @@
           <a:p>
             <a:fld id="{7467D55E-E3C2-8947-8179-F9326171CC7D}" type="datetimeFigureOut">
               <a:rPr lang="en-US" smtClean="0"/>
-              <a:t>29/10/15</a:t>
+              <a:t>18/04/16</a:t>
             </a:fld>
             <a:endParaRPr lang="en-US"/>
           </a:p>
@@ -4922,6 +4923,2916 @@
   <p:clrMapOvr>
     <a:masterClrMapping/>
   </p:clrMapOvr>
+</p:sld>
+</file>
+
+<file path=ppt/slides/slide2.xml><?xml version="1.0" encoding="utf-8"?>
+<p:sld xmlns:a="http://schemas.openxmlformats.org/drawingml/2006/main" xmlns:r="http://schemas.openxmlformats.org/officeDocument/2006/relationships" xmlns:p="http://schemas.openxmlformats.org/presentationml/2006/main">
+  <p:cSld>
+    <p:spTree>
+      <p:nvGrpSpPr>
+        <p:cNvPr id="1" name=""/>
+        <p:cNvGrpSpPr/>
+        <p:nvPr/>
+      </p:nvGrpSpPr>
+      <p:grpSpPr>
+        <a:xfrm>
+          <a:off x="0" y="0"/>
+          <a:ext cx="0" cy="0"/>
+          <a:chOff x="0" y="0"/>
+          <a:chExt cx="0" cy="0"/>
+        </a:xfrm>
+      </p:grpSpPr>
+      <p:cxnSp>
+        <p:nvCxnSpPr>
+          <p:cNvPr id="198" name="Straight Connector 197"/>
+          <p:cNvCxnSpPr/>
+          <p:nvPr/>
+        </p:nvCxnSpPr>
+        <p:spPr>
+          <a:xfrm>
+            <a:off x="5027488" y="4453628"/>
+            <a:ext cx="0" cy="1055452"/>
+          </a:xfrm>
+          <a:prstGeom prst="line">
+            <a:avLst/>
+          </a:prstGeom>
+          <a:ln w="50800" cap="rnd">
+            <a:solidFill>
+              <a:schemeClr val="tx1"/>
+            </a:solidFill>
+            <a:round/>
+            <a:headEnd type="triangle" w="sm" len="sm"/>
+            <a:tailEnd type="triangle" w="sm" len="sm"/>
+          </a:ln>
+          <a:effectLst/>
+        </p:spPr>
+        <p:style>
+          <a:lnRef idx="2">
+            <a:schemeClr val="accent1"/>
+          </a:lnRef>
+          <a:fillRef idx="0">
+            <a:schemeClr val="accent1"/>
+          </a:fillRef>
+          <a:effectRef idx="1">
+            <a:schemeClr val="accent1"/>
+          </a:effectRef>
+          <a:fontRef idx="minor">
+            <a:schemeClr val="tx1"/>
+          </a:fontRef>
+        </p:style>
+      </p:cxnSp>
+      <p:sp>
+        <p:nvSpPr>
+          <p:cNvPr id="199" name="Rounded Rectangle 198"/>
+          <p:cNvSpPr/>
+          <p:nvPr/>
+        </p:nvSpPr>
+        <p:spPr>
+          <a:xfrm>
+            <a:off x="3231577" y="548680"/>
+            <a:ext cx="2278393" cy="997378"/>
+          </a:xfrm>
+          <a:prstGeom prst="roundRect">
+            <a:avLst/>
+          </a:prstGeom>
+          <a:solidFill>
+            <a:srgbClr val="FF0000"/>
+          </a:solidFill>
+          <a:ln w="127000">
+            <a:noFill/>
+          </a:ln>
+          <a:effectLst/>
+        </p:spPr>
+        <p:style>
+          <a:lnRef idx="1">
+            <a:schemeClr val="accent1"/>
+          </a:lnRef>
+          <a:fillRef idx="3">
+            <a:schemeClr val="accent1"/>
+          </a:fillRef>
+          <a:effectRef idx="2">
+            <a:schemeClr val="accent1"/>
+          </a:effectRef>
+          <a:fontRef idx="minor">
+            <a:schemeClr val="lt1"/>
+          </a:fontRef>
+        </p:style>
+        <p:txBody>
+          <a:bodyPr rtlCol="0" anchor="ctr"/>
+          <a:lstStyle/>
+          <a:p>
+            <a:pPr algn="ctr"/>
+            <a:r>
+              <a:rPr lang="en-GB" sz="2800" b="1" dirty="0" smtClean="0">
+                <a:solidFill>
+                  <a:schemeClr val="bg1"/>
+                </a:solidFill>
+                <a:latin typeface="Palatino"/>
+                <a:ea typeface="Segoe UI" panose="020B0502040204020203" pitchFamily="34" charset="0"/>
+                <a:cs typeface="Palatino"/>
+              </a:rPr>
+              <a:t>Simulation</a:t>
+            </a:r>
+            <a:endParaRPr lang="en-GB" sz="2800" b="1" dirty="0">
+              <a:solidFill>
+                <a:schemeClr val="bg1"/>
+              </a:solidFill>
+              <a:latin typeface="Palatino"/>
+              <a:ea typeface="Segoe UI" panose="020B0502040204020203" pitchFamily="34" charset="0"/>
+              <a:cs typeface="Palatino"/>
+            </a:endParaRPr>
+          </a:p>
+        </p:txBody>
+      </p:sp>
+      <p:sp>
+        <p:nvSpPr>
+          <p:cNvPr id="200" name="Rounded Rectangle 199"/>
+          <p:cNvSpPr/>
+          <p:nvPr/>
+        </p:nvSpPr>
+        <p:spPr>
+          <a:xfrm>
+            <a:off x="2747053" y="2191248"/>
+            <a:ext cx="2278393" cy="997378"/>
+          </a:xfrm>
+          <a:prstGeom prst="roundRect">
+            <a:avLst/>
+          </a:prstGeom>
+          <a:solidFill>
+            <a:srgbClr val="0000FF"/>
+          </a:solidFill>
+          <a:ln w="127000">
+            <a:noFill/>
+          </a:ln>
+          <a:effectLst/>
+        </p:spPr>
+        <p:style>
+          <a:lnRef idx="1">
+            <a:schemeClr val="accent1"/>
+          </a:lnRef>
+          <a:fillRef idx="3">
+            <a:schemeClr val="accent1"/>
+          </a:fillRef>
+          <a:effectRef idx="2">
+            <a:schemeClr val="accent1"/>
+          </a:effectRef>
+          <a:fontRef idx="minor">
+            <a:schemeClr val="lt1"/>
+          </a:fontRef>
+        </p:style>
+        <p:txBody>
+          <a:bodyPr rtlCol="0" anchor="ctr"/>
+          <a:lstStyle/>
+          <a:p>
+            <a:pPr algn="ctr"/>
+            <a:r>
+              <a:rPr lang="en-GB" sz="2400" b="1" dirty="0" smtClean="0">
+                <a:solidFill>
+                  <a:schemeClr val="bg1"/>
+                </a:solidFill>
+                <a:latin typeface="Palatino"/>
+                <a:ea typeface="Segoe UI" panose="020B0502040204020203" pitchFamily="34" charset="0"/>
+                <a:cs typeface="Palatino"/>
+              </a:rPr>
+              <a:t>Compartment</a:t>
+            </a:r>
+            <a:endParaRPr lang="en-GB" sz="2400" b="1" dirty="0">
+              <a:solidFill>
+                <a:schemeClr val="bg1"/>
+              </a:solidFill>
+              <a:latin typeface="Palatino"/>
+              <a:ea typeface="Segoe UI" panose="020B0502040204020203" pitchFamily="34" charset="0"/>
+              <a:cs typeface="Palatino"/>
+            </a:endParaRPr>
+          </a:p>
+        </p:txBody>
+      </p:sp>
+      <p:sp>
+        <p:nvSpPr>
+          <p:cNvPr id="201" name="Rounded Rectangle 200"/>
+          <p:cNvSpPr/>
+          <p:nvPr/>
+        </p:nvSpPr>
+        <p:spPr>
+          <a:xfrm>
+            <a:off x="287829" y="2191248"/>
+            <a:ext cx="2278393" cy="997378"/>
+          </a:xfrm>
+          <a:prstGeom prst="roundRect">
+            <a:avLst/>
+          </a:prstGeom>
+          <a:solidFill>
+            <a:srgbClr val="3366FF"/>
+          </a:solidFill>
+          <a:ln w="127000">
+            <a:noFill/>
+          </a:ln>
+          <a:effectLst/>
+        </p:spPr>
+        <p:style>
+          <a:lnRef idx="1">
+            <a:schemeClr val="accent1"/>
+          </a:lnRef>
+          <a:fillRef idx="3">
+            <a:schemeClr val="accent1"/>
+          </a:fillRef>
+          <a:effectRef idx="2">
+            <a:schemeClr val="accent1"/>
+          </a:effectRef>
+          <a:fontRef idx="minor">
+            <a:schemeClr val="lt1"/>
+          </a:fontRef>
+        </p:style>
+        <p:txBody>
+          <a:bodyPr rtlCol="0" anchor="ctr"/>
+          <a:lstStyle/>
+          <a:p>
+            <a:pPr algn="ctr"/>
+            <a:r>
+              <a:rPr lang="en-GB" sz="2400" b="1" dirty="0" smtClean="0">
+                <a:solidFill>
+                  <a:schemeClr val="bg1"/>
+                </a:solidFill>
+                <a:latin typeface="Palatino"/>
+                <a:ea typeface="Segoe UI" panose="020B0502040204020203" pitchFamily="34" charset="0"/>
+                <a:cs typeface="Palatino"/>
+              </a:rPr>
+              <a:t>Compartment</a:t>
+            </a:r>
+            <a:endParaRPr lang="en-GB" sz="2400" b="1" dirty="0">
+              <a:solidFill>
+                <a:schemeClr val="bg1"/>
+              </a:solidFill>
+              <a:latin typeface="Palatino"/>
+              <a:ea typeface="Segoe UI" panose="020B0502040204020203" pitchFamily="34" charset="0"/>
+              <a:cs typeface="Palatino"/>
+            </a:endParaRPr>
+          </a:p>
+        </p:txBody>
+      </p:sp>
+      <p:sp>
+        <p:nvSpPr>
+          <p:cNvPr id="202" name="Rounded Rectangle 201"/>
+          <p:cNvSpPr/>
+          <p:nvPr/>
+        </p:nvSpPr>
+        <p:spPr>
+          <a:xfrm>
+            <a:off x="5980940" y="2191248"/>
+            <a:ext cx="2278393" cy="997378"/>
+          </a:xfrm>
+          <a:prstGeom prst="roundRect">
+            <a:avLst/>
+          </a:prstGeom>
+          <a:solidFill>
+            <a:srgbClr val="3366FF"/>
+          </a:solidFill>
+          <a:ln w="127000">
+            <a:noFill/>
+          </a:ln>
+          <a:effectLst/>
+        </p:spPr>
+        <p:style>
+          <a:lnRef idx="1">
+            <a:schemeClr val="accent1"/>
+          </a:lnRef>
+          <a:fillRef idx="3">
+            <a:schemeClr val="accent1"/>
+          </a:fillRef>
+          <a:effectRef idx="2">
+            <a:schemeClr val="accent1"/>
+          </a:effectRef>
+          <a:fontRef idx="minor">
+            <a:schemeClr val="lt1"/>
+          </a:fontRef>
+        </p:style>
+        <p:txBody>
+          <a:bodyPr rtlCol="0" anchor="ctr"/>
+          <a:lstStyle/>
+          <a:p>
+            <a:pPr algn="ctr"/>
+            <a:r>
+              <a:rPr lang="en-GB" sz="2400" b="1" dirty="0" smtClean="0">
+                <a:solidFill>
+                  <a:schemeClr val="bg1"/>
+                </a:solidFill>
+                <a:latin typeface="Palatino"/>
+                <a:ea typeface="Segoe UI" panose="020B0502040204020203" pitchFamily="34" charset="0"/>
+                <a:cs typeface="Palatino"/>
+              </a:rPr>
+              <a:t>Compartment</a:t>
+            </a:r>
+            <a:endParaRPr lang="en-GB" sz="2400" b="1" dirty="0">
+              <a:solidFill>
+                <a:schemeClr val="bg1"/>
+              </a:solidFill>
+              <a:latin typeface="Palatino"/>
+              <a:ea typeface="Segoe UI" panose="020B0502040204020203" pitchFamily="34" charset="0"/>
+              <a:cs typeface="Palatino"/>
+            </a:endParaRPr>
+          </a:p>
+        </p:txBody>
+      </p:sp>
+      <p:sp>
+        <p:nvSpPr>
+          <p:cNvPr id="203" name="Rounded Rectangle 202"/>
+          <p:cNvSpPr/>
+          <p:nvPr/>
+        </p:nvSpPr>
+        <p:spPr>
+          <a:xfrm>
+            <a:off x="5349428" y="3834894"/>
+            <a:ext cx="1554325" cy="616547"/>
+          </a:xfrm>
+          <a:prstGeom prst="roundRect">
+            <a:avLst/>
+          </a:prstGeom>
+          <a:solidFill>
+            <a:srgbClr val="008000"/>
+          </a:solidFill>
+          <a:ln w="63500">
+            <a:solidFill>
+              <a:srgbClr val="008000"/>
+            </a:solidFill>
+          </a:ln>
+          <a:effectLst/>
+        </p:spPr>
+        <p:style>
+          <a:lnRef idx="1">
+            <a:schemeClr val="accent1"/>
+          </a:lnRef>
+          <a:fillRef idx="3">
+            <a:schemeClr val="accent1"/>
+          </a:fillRef>
+          <a:effectRef idx="2">
+            <a:schemeClr val="accent1"/>
+          </a:effectRef>
+          <a:fontRef idx="minor">
+            <a:schemeClr val="lt1"/>
+          </a:fontRef>
+        </p:style>
+        <p:txBody>
+          <a:bodyPr rtlCol="0" anchor="ctr"/>
+          <a:lstStyle/>
+          <a:p>
+            <a:pPr algn="ctr"/>
+            <a:r>
+              <a:rPr lang="en-GB" sz="2000" b="1" dirty="0" smtClean="0">
+                <a:solidFill>
+                  <a:schemeClr val="bg1"/>
+                </a:solidFill>
+                <a:latin typeface="Palatino"/>
+                <a:ea typeface="Segoe UI" panose="020B0502040204020203" pitchFamily="34" charset="0"/>
+                <a:cs typeface="Palatino"/>
+              </a:rPr>
+              <a:t>Shape</a:t>
+            </a:r>
+            <a:endParaRPr lang="en-GB" sz="2000" b="1" dirty="0">
+              <a:solidFill>
+                <a:schemeClr val="bg1"/>
+              </a:solidFill>
+              <a:latin typeface="Palatino"/>
+              <a:ea typeface="Segoe UI" panose="020B0502040204020203" pitchFamily="34" charset="0"/>
+              <a:cs typeface="Palatino"/>
+            </a:endParaRPr>
+          </a:p>
+        </p:txBody>
+      </p:sp>
+      <p:sp>
+        <p:nvSpPr>
+          <p:cNvPr id="204" name="Rounded Rectangle 203"/>
+          <p:cNvSpPr/>
+          <p:nvPr/>
+        </p:nvSpPr>
+        <p:spPr>
+          <a:xfrm>
+            <a:off x="3672426" y="3834894"/>
+            <a:ext cx="1550018" cy="616547"/>
+          </a:xfrm>
+          <a:prstGeom prst="roundRect">
+            <a:avLst/>
+          </a:prstGeom>
+          <a:solidFill>
+            <a:srgbClr val="008000"/>
+          </a:solidFill>
+          <a:ln w="63500">
+            <a:solidFill>
+              <a:srgbClr val="008000"/>
+            </a:solidFill>
+          </a:ln>
+          <a:effectLst/>
+        </p:spPr>
+        <p:style>
+          <a:lnRef idx="1">
+            <a:schemeClr val="accent1"/>
+          </a:lnRef>
+          <a:fillRef idx="3">
+            <a:schemeClr val="accent1"/>
+          </a:fillRef>
+          <a:effectRef idx="2">
+            <a:schemeClr val="accent1"/>
+          </a:effectRef>
+          <a:fontRef idx="minor">
+            <a:schemeClr val="lt1"/>
+          </a:fontRef>
+        </p:style>
+        <p:txBody>
+          <a:bodyPr rtlCol="0" anchor="ctr"/>
+          <a:lstStyle/>
+          <a:p>
+            <a:pPr algn="ctr"/>
+            <a:r>
+              <a:rPr lang="en-GB" sz="2000" b="1" dirty="0" smtClean="0">
+                <a:solidFill>
+                  <a:schemeClr val="bg1"/>
+                </a:solidFill>
+                <a:latin typeface="Palatino"/>
+                <a:ea typeface="Segoe UI" panose="020B0502040204020203" pitchFamily="34" charset="0"/>
+                <a:cs typeface="Palatino"/>
+              </a:rPr>
+              <a:t>Cells</a:t>
+            </a:r>
+            <a:endParaRPr lang="en-GB" sz="2000" b="1" dirty="0">
+              <a:solidFill>
+                <a:schemeClr val="bg1"/>
+              </a:solidFill>
+              <a:latin typeface="Palatino"/>
+              <a:ea typeface="Segoe UI" panose="020B0502040204020203" pitchFamily="34" charset="0"/>
+              <a:cs typeface="Palatino"/>
+            </a:endParaRPr>
+          </a:p>
+        </p:txBody>
+      </p:sp>
+      <p:sp>
+        <p:nvSpPr>
+          <p:cNvPr id="205" name="Rounded Rectangle 204"/>
+          <p:cNvSpPr/>
+          <p:nvPr/>
+        </p:nvSpPr>
+        <p:spPr>
+          <a:xfrm>
+            <a:off x="1765651" y="3833816"/>
+            <a:ext cx="1782288" cy="616547"/>
+          </a:xfrm>
+          <a:prstGeom prst="roundRect">
+            <a:avLst/>
+          </a:prstGeom>
+          <a:solidFill>
+            <a:srgbClr val="008000"/>
+          </a:solidFill>
+          <a:ln w="63500">
+            <a:solidFill>
+              <a:srgbClr val="008000"/>
+            </a:solidFill>
+          </a:ln>
+          <a:effectLst/>
+        </p:spPr>
+        <p:style>
+          <a:lnRef idx="1">
+            <a:schemeClr val="accent1"/>
+          </a:lnRef>
+          <a:fillRef idx="3">
+            <a:schemeClr val="accent1"/>
+          </a:fillRef>
+          <a:effectRef idx="2">
+            <a:schemeClr val="accent1"/>
+          </a:effectRef>
+          <a:fontRef idx="minor">
+            <a:schemeClr val="lt1"/>
+          </a:fontRef>
+        </p:style>
+        <p:txBody>
+          <a:bodyPr rtlCol="0" anchor="ctr"/>
+          <a:lstStyle/>
+          <a:p>
+            <a:pPr algn="ctr"/>
+            <a:r>
+              <a:rPr lang="en-GB" sz="2000" b="1" dirty="0" smtClean="0">
+                <a:solidFill>
+                  <a:schemeClr val="bg1"/>
+                </a:solidFill>
+                <a:latin typeface="Palatino"/>
+                <a:ea typeface="Segoe UI" panose="020B0502040204020203" pitchFamily="34" charset="0"/>
+                <a:cs typeface="Palatino"/>
+              </a:rPr>
+              <a:t>Environment</a:t>
+            </a:r>
+            <a:endParaRPr lang="en-GB" sz="2000" b="1" dirty="0">
+              <a:solidFill>
+                <a:schemeClr val="bg1"/>
+              </a:solidFill>
+              <a:latin typeface="Palatino"/>
+              <a:ea typeface="Segoe UI" panose="020B0502040204020203" pitchFamily="34" charset="0"/>
+              <a:cs typeface="Palatino"/>
+            </a:endParaRPr>
+          </a:p>
+        </p:txBody>
+      </p:sp>
+      <p:sp>
+        <p:nvSpPr>
+          <p:cNvPr id="206" name="Rounded Rectangle 205"/>
+          <p:cNvSpPr/>
+          <p:nvPr/>
+        </p:nvSpPr>
+        <p:spPr>
+          <a:xfrm>
+            <a:off x="107503" y="3833816"/>
+            <a:ext cx="1533662" cy="616547"/>
+          </a:xfrm>
+          <a:prstGeom prst="roundRect">
+            <a:avLst/>
+          </a:prstGeom>
+          <a:solidFill>
+            <a:srgbClr val="008000"/>
+          </a:solidFill>
+          <a:ln w="63500">
+            <a:solidFill>
+              <a:srgbClr val="008000"/>
+            </a:solidFill>
+          </a:ln>
+          <a:effectLst/>
+        </p:spPr>
+        <p:style>
+          <a:lnRef idx="1">
+            <a:schemeClr val="accent1"/>
+          </a:lnRef>
+          <a:fillRef idx="3">
+            <a:schemeClr val="accent1"/>
+          </a:fillRef>
+          <a:effectRef idx="2">
+            <a:schemeClr val="accent1"/>
+          </a:effectRef>
+          <a:fontRef idx="minor">
+            <a:schemeClr val="lt1"/>
+          </a:fontRef>
+        </p:style>
+        <p:txBody>
+          <a:bodyPr rtlCol="0" anchor="ctr"/>
+          <a:lstStyle/>
+          <a:p>
+            <a:pPr algn="ctr"/>
+            <a:r>
+              <a:rPr lang="en-GB" sz="2000" b="1" dirty="0" smtClean="0">
+                <a:solidFill>
+                  <a:schemeClr val="bg1"/>
+                </a:solidFill>
+                <a:latin typeface="Palatino"/>
+                <a:ea typeface="Segoe UI" panose="020B0502040204020203" pitchFamily="34" charset="0"/>
+                <a:cs typeface="Palatino"/>
+              </a:rPr>
+              <a:t>Processes</a:t>
+            </a:r>
+            <a:endParaRPr lang="en-GB" sz="2000" b="1" dirty="0">
+              <a:solidFill>
+                <a:schemeClr val="bg1"/>
+              </a:solidFill>
+              <a:latin typeface="Palatino"/>
+              <a:ea typeface="Segoe UI" panose="020B0502040204020203" pitchFamily="34" charset="0"/>
+              <a:cs typeface="Palatino"/>
+            </a:endParaRPr>
+          </a:p>
+        </p:txBody>
+      </p:sp>
+      <p:sp>
+        <p:nvSpPr>
+          <p:cNvPr id="207" name="Rounded Rectangle 206"/>
+          <p:cNvSpPr/>
+          <p:nvPr/>
+        </p:nvSpPr>
+        <p:spPr>
+          <a:xfrm>
+            <a:off x="5349428" y="4680211"/>
+            <a:ext cx="677823" cy="355234"/>
+          </a:xfrm>
+          <a:prstGeom prst="roundRect">
+            <a:avLst/>
+          </a:prstGeom>
+          <a:solidFill>
+            <a:srgbClr val="660066"/>
+          </a:solidFill>
+          <a:ln w="127000">
+            <a:noFill/>
+          </a:ln>
+          <a:effectLst/>
+        </p:spPr>
+        <p:style>
+          <a:lnRef idx="1">
+            <a:schemeClr val="accent1"/>
+          </a:lnRef>
+          <a:fillRef idx="3">
+            <a:schemeClr val="accent1"/>
+          </a:fillRef>
+          <a:effectRef idx="2">
+            <a:schemeClr val="accent1"/>
+          </a:effectRef>
+          <a:fontRef idx="minor">
+            <a:schemeClr val="lt1"/>
+          </a:fontRef>
+        </p:style>
+        <p:txBody>
+          <a:bodyPr rtlCol="0" anchor="ctr"/>
+          <a:lstStyle/>
+          <a:p>
+            <a:pPr algn="ctr"/>
+            <a:r>
+              <a:rPr lang="en-GB" sz="1600" b="1" dirty="0" smtClean="0">
+                <a:solidFill>
+                  <a:schemeClr val="bg1"/>
+                </a:solidFill>
+                <a:latin typeface="Palatino"/>
+                <a:ea typeface="Segoe UI" panose="020B0502040204020203" pitchFamily="34" charset="0"/>
+                <a:cs typeface="Palatino"/>
+              </a:rPr>
+              <a:t>Size</a:t>
+            </a:r>
+            <a:endParaRPr lang="en-GB" sz="1600" b="1" dirty="0">
+              <a:solidFill>
+                <a:schemeClr val="bg1"/>
+              </a:solidFill>
+              <a:latin typeface="Palatino"/>
+              <a:ea typeface="Segoe UI" panose="020B0502040204020203" pitchFamily="34" charset="0"/>
+              <a:cs typeface="Palatino"/>
+            </a:endParaRPr>
+          </a:p>
+        </p:txBody>
+      </p:sp>
+      <p:sp>
+        <p:nvSpPr>
+          <p:cNvPr id="208" name="Rounded Rectangle 207"/>
+          <p:cNvSpPr/>
+          <p:nvPr/>
+        </p:nvSpPr>
+        <p:spPr>
+          <a:xfrm>
+            <a:off x="5548618" y="5134181"/>
+            <a:ext cx="1355135" cy="355234"/>
+          </a:xfrm>
+          <a:prstGeom prst="roundRect">
+            <a:avLst/>
+          </a:prstGeom>
+          <a:solidFill>
+            <a:srgbClr val="660066"/>
+          </a:solidFill>
+          <a:ln w="127000">
+            <a:noFill/>
+          </a:ln>
+          <a:effectLst/>
+        </p:spPr>
+        <p:style>
+          <a:lnRef idx="1">
+            <a:schemeClr val="accent1"/>
+          </a:lnRef>
+          <a:fillRef idx="3">
+            <a:schemeClr val="accent1"/>
+          </a:fillRef>
+          <a:effectRef idx="2">
+            <a:schemeClr val="accent1"/>
+          </a:effectRef>
+          <a:fontRef idx="minor">
+            <a:schemeClr val="lt1"/>
+          </a:fontRef>
+        </p:style>
+        <p:txBody>
+          <a:bodyPr rtlCol="0" anchor="ctr"/>
+          <a:lstStyle/>
+          <a:p>
+            <a:pPr algn="ctr"/>
+            <a:r>
+              <a:rPr lang="en-GB" sz="1600" b="1" dirty="0" smtClean="0">
+                <a:solidFill>
+                  <a:schemeClr val="bg1"/>
+                </a:solidFill>
+                <a:latin typeface="Palatino"/>
+                <a:ea typeface="Segoe UI" panose="020B0502040204020203" pitchFamily="34" charset="0"/>
+                <a:cs typeface="Palatino"/>
+              </a:rPr>
+              <a:t>Boundaries</a:t>
+            </a:r>
+            <a:endParaRPr lang="en-GB" sz="1600" b="1" dirty="0">
+              <a:solidFill>
+                <a:schemeClr val="bg1"/>
+              </a:solidFill>
+              <a:latin typeface="Palatino"/>
+              <a:ea typeface="Segoe UI" panose="020B0502040204020203" pitchFamily="34" charset="0"/>
+              <a:cs typeface="Palatino"/>
+            </a:endParaRPr>
+          </a:p>
+        </p:txBody>
+      </p:sp>
+      <p:sp>
+        <p:nvSpPr>
+          <p:cNvPr id="209" name="TextBox 208"/>
+          <p:cNvSpPr txBox="1"/>
+          <p:nvPr/>
+        </p:nvSpPr>
+        <p:spPr>
+          <a:xfrm>
+            <a:off x="5004048" y="2485033"/>
+            <a:ext cx="955494" cy="442035"/>
+          </a:xfrm>
+          <a:prstGeom prst="rect">
+            <a:avLst/>
+          </a:prstGeom>
+          <a:noFill/>
+        </p:spPr>
+        <p:txBody>
+          <a:bodyPr wrap="square" tIns="0" bIns="72000" rtlCol="0" anchor="ctr">
+            <a:spAutoFit/>
+          </a:bodyPr>
+          <a:lstStyle/>
+          <a:p>
+            <a:pPr algn="ctr"/>
+            <a:r>
+              <a:rPr lang="is-IS" sz="2400" dirty="0" smtClean="0">
+                <a:solidFill>
+                  <a:schemeClr val="tx1">
+                    <a:lumMod val="50000"/>
+                    <a:lumOff val="50000"/>
+                  </a:schemeClr>
+                </a:solidFill>
+                <a:latin typeface="Palatino"/>
+                <a:cs typeface="Palatino"/>
+              </a:rPr>
+              <a:t>…</a:t>
+            </a:r>
+            <a:endParaRPr lang="en-US" sz="2400" dirty="0">
+              <a:solidFill>
+                <a:schemeClr val="tx1">
+                  <a:lumMod val="50000"/>
+                  <a:lumOff val="50000"/>
+                </a:schemeClr>
+              </a:solidFill>
+              <a:latin typeface="Palatino"/>
+              <a:cs typeface="Palatino"/>
+            </a:endParaRPr>
+          </a:p>
+        </p:txBody>
+      </p:sp>
+      <p:sp>
+        <p:nvSpPr>
+          <p:cNvPr id="210" name="Rounded Rectangle 209"/>
+          <p:cNvSpPr/>
+          <p:nvPr/>
+        </p:nvSpPr>
+        <p:spPr>
+          <a:xfrm>
+            <a:off x="1765651" y="4680211"/>
+            <a:ext cx="931112" cy="355234"/>
+          </a:xfrm>
+          <a:prstGeom prst="roundRect">
+            <a:avLst/>
+          </a:prstGeom>
+          <a:solidFill>
+            <a:srgbClr val="660066"/>
+          </a:solidFill>
+          <a:ln w="127000">
+            <a:noFill/>
+          </a:ln>
+          <a:effectLst/>
+        </p:spPr>
+        <p:style>
+          <a:lnRef idx="1">
+            <a:schemeClr val="accent1"/>
+          </a:lnRef>
+          <a:fillRef idx="3">
+            <a:schemeClr val="accent1"/>
+          </a:fillRef>
+          <a:effectRef idx="2">
+            <a:schemeClr val="accent1"/>
+          </a:effectRef>
+          <a:fontRef idx="minor">
+            <a:schemeClr val="lt1"/>
+          </a:fontRef>
+        </p:style>
+        <p:txBody>
+          <a:bodyPr rtlCol="0" anchor="ctr"/>
+          <a:lstStyle/>
+          <a:p>
+            <a:pPr algn="ctr"/>
+            <a:r>
+              <a:rPr lang="en-GB" sz="1600" b="1" dirty="0" smtClean="0">
+                <a:solidFill>
+                  <a:schemeClr val="bg1"/>
+                </a:solidFill>
+                <a:latin typeface="Palatino"/>
+                <a:ea typeface="Segoe UI" panose="020B0502040204020203" pitchFamily="34" charset="0"/>
+                <a:cs typeface="Palatino"/>
+              </a:rPr>
+              <a:t>Solutes</a:t>
+            </a:r>
+            <a:endParaRPr lang="en-GB" sz="1600" b="1" dirty="0">
+              <a:solidFill>
+                <a:schemeClr val="bg1"/>
+              </a:solidFill>
+              <a:latin typeface="Palatino"/>
+              <a:ea typeface="Segoe UI" panose="020B0502040204020203" pitchFamily="34" charset="0"/>
+              <a:cs typeface="Palatino"/>
+            </a:endParaRPr>
+          </a:p>
+        </p:txBody>
+      </p:sp>
+      <p:sp>
+        <p:nvSpPr>
+          <p:cNvPr id="211" name="Rounded Rectangle 210"/>
+          <p:cNvSpPr/>
+          <p:nvPr/>
+        </p:nvSpPr>
+        <p:spPr>
+          <a:xfrm>
+            <a:off x="2363161" y="5089538"/>
+            <a:ext cx="1180408" cy="355234"/>
+          </a:xfrm>
+          <a:prstGeom prst="roundRect">
+            <a:avLst/>
+          </a:prstGeom>
+          <a:solidFill>
+            <a:srgbClr val="660066"/>
+          </a:solidFill>
+          <a:ln w="127000">
+            <a:noFill/>
+          </a:ln>
+          <a:effectLst/>
+        </p:spPr>
+        <p:style>
+          <a:lnRef idx="1">
+            <a:schemeClr val="accent1"/>
+          </a:lnRef>
+          <a:fillRef idx="3">
+            <a:schemeClr val="accent1"/>
+          </a:fillRef>
+          <a:effectRef idx="2">
+            <a:schemeClr val="accent1"/>
+          </a:effectRef>
+          <a:fontRef idx="minor">
+            <a:schemeClr val="lt1"/>
+          </a:fontRef>
+        </p:style>
+        <p:txBody>
+          <a:bodyPr rtlCol="0" anchor="ctr"/>
+          <a:lstStyle/>
+          <a:p>
+            <a:pPr algn="ctr"/>
+            <a:r>
+              <a:rPr lang="en-GB" sz="1600" b="1" dirty="0" smtClean="0">
+                <a:solidFill>
+                  <a:schemeClr val="bg1"/>
+                </a:solidFill>
+                <a:latin typeface="Palatino"/>
+                <a:ea typeface="Segoe UI" panose="020B0502040204020203" pitchFamily="34" charset="0"/>
+                <a:cs typeface="Palatino"/>
+              </a:rPr>
+              <a:t>Reactions</a:t>
+            </a:r>
+            <a:endParaRPr lang="en-GB" sz="1600" b="1" dirty="0">
+              <a:solidFill>
+                <a:schemeClr val="bg1"/>
+              </a:solidFill>
+              <a:latin typeface="Palatino"/>
+              <a:ea typeface="Segoe UI" panose="020B0502040204020203" pitchFamily="34" charset="0"/>
+              <a:cs typeface="Palatino"/>
+            </a:endParaRPr>
+          </a:p>
+        </p:txBody>
+      </p:sp>
+      <p:sp>
+        <p:nvSpPr>
+          <p:cNvPr id="212" name="Rounded Rectangle 211"/>
+          <p:cNvSpPr/>
+          <p:nvPr/>
+        </p:nvSpPr>
+        <p:spPr>
+          <a:xfrm>
+            <a:off x="3672426" y="5099753"/>
+            <a:ext cx="1182625" cy="355234"/>
+          </a:xfrm>
+          <a:prstGeom prst="roundRect">
+            <a:avLst/>
+          </a:prstGeom>
+          <a:solidFill>
+            <a:srgbClr val="660066"/>
+          </a:solidFill>
+          <a:ln w="127000">
+            <a:noFill/>
+          </a:ln>
+          <a:effectLst/>
+        </p:spPr>
+        <p:style>
+          <a:lnRef idx="1">
+            <a:schemeClr val="accent1"/>
+          </a:lnRef>
+          <a:fillRef idx="3">
+            <a:schemeClr val="accent1"/>
+          </a:fillRef>
+          <a:effectRef idx="2">
+            <a:schemeClr val="accent1"/>
+          </a:effectRef>
+          <a:fontRef idx="minor">
+            <a:schemeClr val="lt1"/>
+          </a:fontRef>
+        </p:style>
+        <p:txBody>
+          <a:bodyPr rtlCol="0" anchor="ctr"/>
+          <a:lstStyle/>
+          <a:p>
+            <a:pPr algn="ctr"/>
+            <a:r>
+              <a:rPr lang="en-GB" sz="1600" b="1" dirty="0" smtClean="0">
+                <a:solidFill>
+                  <a:schemeClr val="bg1"/>
+                </a:solidFill>
+                <a:latin typeface="Palatino"/>
+                <a:ea typeface="Segoe UI" panose="020B0502040204020203" pitchFamily="34" charset="0"/>
+                <a:cs typeface="Palatino"/>
+              </a:rPr>
+              <a:t>Reactions</a:t>
+            </a:r>
+            <a:endParaRPr lang="en-GB" sz="1600" b="1" dirty="0">
+              <a:solidFill>
+                <a:schemeClr val="bg1"/>
+              </a:solidFill>
+              <a:latin typeface="Palatino"/>
+              <a:ea typeface="Segoe UI" panose="020B0502040204020203" pitchFamily="34" charset="0"/>
+              <a:cs typeface="Palatino"/>
+            </a:endParaRPr>
+          </a:p>
+        </p:txBody>
+      </p:sp>
+      <p:sp>
+        <p:nvSpPr>
+          <p:cNvPr id="213" name="Rounded Rectangle 212"/>
+          <p:cNvSpPr/>
+          <p:nvPr/>
+        </p:nvSpPr>
+        <p:spPr>
+          <a:xfrm>
+            <a:off x="4428174" y="5509080"/>
+            <a:ext cx="794270" cy="355234"/>
+          </a:xfrm>
+          <a:prstGeom prst="roundRect">
+            <a:avLst/>
+          </a:prstGeom>
+          <a:solidFill>
+            <a:srgbClr val="660066"/>
+          </a:solidFill>
+          <a:ln w="127000">
+            <a:noFill/>
+          </a:ln>
+          <a:effectLst/>
+        </p:spPr>
+        <p:style>
+          <a:lnRef idx="1">
+            <a:schemeClr val="accent1"/>
+          </a:lnRef>
+          <a:fillRef idx="3">
+            <a:schemeClr val="accent1"/>
+          </a:fillRef>
+          <a:effectRef idx="2">
+            <a:schemeClr val="accent1"/>
+          </a:effectRef>
+          <a:fontRef idx="minor">
+            <a:schemeClr val="lt1"/>
+          </a:fontRef>
+        </p:style>
+        <p:txBody>
+          <a:bodyPr rtlCol="0" anchor="ctr"/>
+          <a:lstStyle/>
+          <a:p>
+            <a:pPr algn="ctr"/>
+            <a:r>
+              <a:rPr lang="en-GB" sz="1600" b="1" dirty="0" smtClean="0">
+                <a:solidFill>
+                  <a:schemeClr val="bg1"/>
+                </a:solidFill>
+                <a:latin typeface="Palatino"/>
+                <a:ea typeface="Segoe UI" panose="020B0502040204020203" pitchFamily="34" charset="0"/>
+                <a:cs typeface="Palatino"/>
+              </a:rPr>
+              <a:t>Rules</a:t>
+            </a:r>
+            <a:endParaRPr lang="en-GB" sz="1600" b="1" dirty="0">
+              <a:solidFill>
+                <a:schemeClr val="bg1"/>
+              </a:solidFill>
+              <a:latin typeface="Palatino"/>
+              <a:ea typeface="Segoe UI" panose="020B0502040204020203" pitchFamily="34" charset="0"/>
+              <a:cs typeface="Palatino"/>
+            </a:endParaRPr>
+          </a:p>
+        </p:txBody>
+      </p:sp>
+      <p:sp>
+        <p:nvSpPr>
+          <p:cNvPr id="214" name="Rounded Rectangle 213"/>
+          <p:cNvSpPr/>
+          <p:nvPr/>
+        </p:nvSpPr>
+        <p:spPr>
+          <a:xfrm>
+            <a:off x="3997838" y="4680211"/>
+            <a:ext cx="1222791" cy="355234"/>
+          </a:xfrm>
+          <a:prstGeom prst="roundRect">
+            <a:avLst/>
+          </a:prstGeom>
+          <a:solidFill>
+            <a:srgbClr val="660066"/>
+          </a:solidFill>
+          <a:ln w="127000">
+            <a:noFill/>
+          </a:ln>
+          <a:effectLst/>
+        </p:spPr>
+        <p:style>
+          <a:lnRef idx="1">
+            <a:schemeClr val="accent1"/>
+          </a:lnRef>
+          <a:fillRef idx="3">
+            <a:schemeClr val="accent1"/>
+          </a:fillRef>
+          <a:effectRef idx="2">
+            <a:schemeClr val="accent1"/>
+          </a:effectRef>
+          <a:fontRef idx="minor">
+            <a:schemeClr val="lt1"/>
+          </a:fontRef>
+        </p:style>
+        <p:txBody>
+          <a:bodyPr rtlCol="0" anchor="ctr"/>
+          <a:lstStyle/>
+          <a:p>
+            <a:pPr algn="ctr"/>
+            <a:r>
+              <a:rPr lang="en-GB" sz="1600" b="1" dirty="0" smtClean="0">
+                <a:solidFill>
+                  <a:schemeClr val="bg1"/>
+                </a:solidFill>
+                <a:latin typeface="Palatino"/>
+                <a:ea typeface="Segoe UI" panose="020B0502040204020203" pitchFamily="34" charset="0"/>
+                <a:cs typeface="Palatino"/>
+              </a:rPr>
+              <a:t>Properties</a:t>
+            </a:r>
+            <a:endParaRPr lang="en-GB" sz="1600" b="1" dirty="0">
+              <a:solidFill>
+                <a:schemeClr val="bg1"/>
+              </a:solidFill>
+              <a:latin typeface="Palatino"/>
+              <a:ea typeface="Segoe UI" panose="020B0502040204020203" pitchFamily="34" charset="0"/>
+              <a:cs typeface="Palatino"/>
+            </a:endParaRPr>
+          </a:p>
+        </p:txBody>
+      </p:sp>
+      <p:grpSp>
+        <p:nvGrpSpPr>
+          <p:cNvPr id="215" name="Group 214"/>
+          <p:cNvGrpSpPr/>
+          <p:nvPr/>
+        </p:nvGrpSpPr>
+        <p:grpSpPr>
+          <a:xfrm flipH="1">
+            <a:off x="1347299" y="1546058"/>
+            <a:ext cx="2151111" cy="645190"/>
+            <a:chOff x="5679440" y="1323840"/>
+            <a:chExt cx="2468880" cy="911360"/>
+          </a:xfrm>
+        </p:grpSpPr>
+        <p:cxnSp>
+          <p:nvCxnSpPr>
+            <p:cNvPr id="257" name="Straight Connector 256"/>
+            <p:cNvCxnSpPr/>
+            <p:nvPr/>
+          </p:nvCxnSpPr>
+          <p:spPr>
+            <a:xfrm flipH="1">
+              <a:off x="5679440" y="1323840"/>
+              <a:ext cx="0" cy="458658"/>
+            </a:xfrm>
+            <a:prstGeom prst="line">
+              <a:avLst/>
+            </a:prstGeom>
+            <a:ln w="50800" cap="rnd">
+              <a:solidFill>
+                <a:schemeClr val="bg1">
+                  <a:lumMod val="50000"/>
+                </a:schemeClr>
+              </a:solidFill>
+              <a:round/>
+              <a:headEnd type="triangle" w="med" len="med"/>
+              <a:tailEnd w="med" len="med"/>
+            </a:ln>
+            <a:effectLst/>
+          </p:spPr>
+          <p:style>
+            <a:lnRef idx="2">
+              <a:schemeClr val="accent1"/>
+            </a:lnRef>
+            <a:fillRef idx="0">
+              <a:schemeClr val="accent1"/>
+            </a:fillRef>
+            <a:effectRef idx="1">
+              <a:schemeClr val="accent1"/>
+            </a:effectRef>
+            <a:fontRef idx="minor">
+              <a:schemeClr val="tx1"/>
+            </a:fontRef>
+          </p:style>
+        </p:cxnSp>
+        <p:cxnSp>
+          <p:nvCxnSpPr>
+            <p:cNvPr id="258" name="Straight Connector 257"/>
+            <p:cNvCxnSpPr/>
+            <p:nvPr/>
+          </p:nvCxnSpPr>
+          <p:spPr>
+            <a:xfrm flipH="1">
+              <a:off x="8148320" y="1782498"/>
+              <a:ext cx="0" cy="452702"/>
+            </a:xfrm>
+            <a:prstGeom prst="line">
+              <a:avLst/>
+            </a:prstGeom>
+            <a:ln w="50800" cap="rnd">
+              <a:solidFill>
+                <a:schemeClr val="bg1">
+                  <a:lumMod val="50000"/>
+                </a:schemeClr>
+              </a:solidFill>
+              <a:headEnd type="none" w="med" len="med"/>
+              <a:tailEnd type="triangle" w="med" len="med"/>
+            </a:ln>
+            <a:effectLst/>
+          </p:spPr>
+          <p:style>
+            <a:lnRef idx="2">
+              <a:schemeClr val="accent1"/>
+            </a:lnRef>
+            <a:fillRef idx="0">
+              <a:schemeClr val="accent1"/>
+            </a:fillRef>
+            <a:effectRef idx="1">
+              <a:schemeClr val="accent1"/>
+            </a:effectRef>
+            <a:fontRef idx="minor">
+              <a:schemeClr val="tx1"/>
+            </a:fontRef>
+          </p:style>
+        </p:cxnSp>
+        <p:cxnSp>
+          <p:nvCxnSpPr>
+            <p:cNvPr id="259" name="Straight Arrow Connector 258"/>
+            <p:cNvCxnSpPr/>
+            <p:nvPr/>
+          </p:nvCxnSpPr>
+          <p:spPr>
+            <a:xfrm flipH="1">
+              <a:off x="5679440" y="1782498"/>
+              <a:ext cx="2468880" cy="0"/>
+            </a:xfrm>
+            <a:prstGeom prst="straightConnector1">
+              <a:avLst/>
+            </a:prstGeom>
+            <a:ln w="50800" cap="rnd">
+              <a:solidFill>
+                <a:schemeClr val="bg1">
+                  <a:lumMod val="50000"/>
+                </a:schemeClr>
+              </a:solidFill>
+              <a:headEnd w="med" len="med"/>
+              <a:tailEnd type="none" w="med" len="med"/>
+            </a:ln>
+            <a:effectLst/>
+          </p:spPr>
+          <p:style>
+            <a:lnRef idx="2">
+              <a:schemeClr val="accent1"/>
+            </a:lnRef>
+            <a:fillRef idx="0">
+              <a:schemeClr val="accent1"/>
+            </a:fillRef>
+            <a:effectRef idx="1">
+              <a:schemeClr val="accent1"/>
+            </a:effectRef>
+            <a:fontRef idx="minor">
+              <a:schemeClr val="tx1"/>
+            </a:fontRef>
+          </p:style>
+        </p:cxnSp>
+      </p:grpSp>
+      <p:grpSp>
+        <p:nvGrpSpPr>
+          <p:cNvPr id="216" name="Group 215"/>
+          <p:cNvGrpSpPr/>
+          <p:nvPr/>
+        </p:nvGrpSpPr>
+        <p:grpSpPr>
+          <a:xfrm>
+            <a:off x="5025446" y="1546058"/>
+            <a:ext cx="2151111" cy="645190"/>
+            <a:chOff x="5679440" y="1323840"/>
+            <a:chExt cx="2468880" cy="911360"/>
+          </a:xfrm>
+        </p:grpSpPr>
+        <p:cxnSp>
+          <p:nvCxnSpPr>
+            <p:cNvPr id="254" name="Straight Connector 253"/>
+            <p:cNvCxnSpPr/>
+            <p:nvPr/>
+          </p:nvCxnSpPr>
+          <p:spPr>
+            <a:xfrm flipH="1">
+              <a:off x="5679440" y="1323840"/>
+              <a:ext cx="0" cy="458658"/>
+            </a:xfrm>
+            <a:prstGeom prst="line">
+              <a:avLst/>
+            </a:prstGeom>
+            <a:ln w="50800" cap="rnd">
+              <a:solidFill>
+                <a:schemeClr val="bg1">
+                  <a:lumMod val="50000"/>
+                </a:schemeClr>
+              </a:solidFill>
+              <a:round/>
+              <a:headEnd type="triangle" w="med" len="med"/>
+              <a:tailEnd w="med" len="med"/>
+            </a:ln>
+            <a:effectLst/>
+          </p:spPr>
+          <p:style>
+            <a:lnRef idx="2">
+              <a:schemeClr val="accent1"/>
+            </a:lnRef>
+            <a:fillRef idx="0">
+              <a:schemeClr val="accent1"/>
+            </a:fillRef>
+            <a:effectRef idx="1">
+              <a:schemeClr val="accent1"/>
+            </a:effectRef>
+            <a:fontRef idx="minor">
+              <a:schemeClr val="tx1"/>
+            </a:fontRef>
+          </p:style>
+        </p:cxnSp>
+        <p:cxnSp>
+          <p:nvCxnSpPr>
+            <p:cNvPr id="255" name="Straight Connector 254"/>
+            <p:cNvCxnSpPr/>
+            <p:nvPr/>
+          </p:nvCxnSpPr>
+          <p:spPr>
+            <a:xfrm flipH="1">
+              <a:off x="8148320" y="1782498"/>
+              <a:ext cx="0" cy="452702"/>
+            </a:xfrm>
+            <a:prstGeom prst="line">
+              <a:avLst/>
+            </a:prstGeom>
+            <a:ln w="50800" cap="rnd">
+              <a:solidFill>
+                <a:schemeClr val="bg1">
+                  <a:lumMod val="50000"/>
+                </a:schemeClr>
+              </a:solidFill>
+              <a:headEnd type="none" w="med" len="med"/>
+              <a:tailEnd type="triangle" w="med" len="med"/>
+            </a:ln>
+            <a:effectLst/>
+          </p:spPr>
+          <p:style>
+            <a:lnRef idx="2">
+              <a:schemeClr val="accent1"/>
+            </a:lnRef>
+            <a:fillRef idx="0">
+              <a:schemeClr val="accent1"/>
+            </a:fillRef>
+            <a:effectRef idx="1">
+              <a:schemeClr val="accent1"/>
+            </a:effectRef>
+            <a:fontRef idx="minor">
+              <a:schemeClr val="tx1"/>
+            </a:fontRef>
+          </p:style>
+        </p:cxnSp>
+        <p:cxnSp>
+          <p:nvCxnSpPr>
+            <p:cNvPr id="256" name="Straight Arrow Connector 255"/>
+            <p:cNvCxnSpPr/>
+            <p:nvPr/>
+          </p:nvCxnSpPr>
+          <p:spPr>
+            <a:xfrm flipH="1">
+              <a:off x="5679440" y="1782498"/>
+              <a:ext cx="2468880" cy="0"/>
+            </a:xfrm>
+            <a:prstGeom prst="straightConnector1">
+              <a:avLst/>
+            </a:prstGeom>
+            <a:ln w="50800" cap="rnd">
+              <a:solidFill>
+                <a:schemeClr val="bg1">
+                  <a:lumMod val="50000"/>
+                </a:schemeClr>
+              </a:solidFill>
+              <a:headEnd w="med" len="med"/>
+              <a:tailEnd type="none" w="med" len="med"/>
+            </a:ln>
+            <a:effectLst/>
+          </p:spPr>
+          <p:style>
+            <a:lnRef idx="2">
+              <a:schemeClr val="accent1"/>
+            </a:lnRef>
+            <a:fillRef idx="0">
+              <a:schemeClr val="accent1"/>
+            </a:fillRef>
+            <a:effectRef idx="1">
+              <a:schemeClr val="accent1"/>
+            </a:effectRef>
+            <a:fontRef idx="minor">
+              <a:schemeClr val="tx1"/>
+            </a:fontRef>
+          </p:style>
+        </p:cxnSp>
+      </p:grpSp>
+      <p:cxnSp>
+        <p:nvCxnSpPr>
+          <p:cNvPr id="217" name="Straight Connector 216"/>
+          <p:cNvCxnSpPr/>
+          <p:nvPr/>
+        </p:nvCxnSpPr>
+        <p:spPr>
+          <a:xfrm>
+            <a:off x="4067944" y="1556792"/>
+            <a:ext cx="0" cy="645190"/>
+          </a:xfrm>
+          <a:prstGeom prst="line">
+            <a:avLst/>
+          </a:prstGeom>
+          <a:ln w="50800" cap="rnd">
+            <a:solidFill>
+              <a:schemeClr val="tx1"/>
+            </a:solidFill>
+            <a:round/>
+            <a:headEnd type="triangle" w="med" len="med"/>
+            <a:tailEnd type="triangle" w="med" len="med"/>
+          </a:ln>
+          <a:effectLst/>
+        </p:spPr>
+        <p:style>
+          <a:lnRef idx="2">
+            <a:schemeClr val="accent1"/>
+          </a:lnRef>
+          <a:fillRef idx="0">
+            <a:schemeClr val="accent1"/>
+          </a:fillRef>
+          <a:effectRef idx="1">
+            <a:schemeClr val="accent1"/>
+          </a:effectRef>
+          <a:fontRef idx="minor">
+            <a:schemeClr val="tx1"/>
+          </a:fontRef>
+        </p:style>
+      </p:cxnSp>
+      <p:grpSp>
+        <p:nvGrpSpPr>
+          <p:cNvPr id="218" name="Group 217"/>
+          <p:cNvGrpSpPr/>
+          <p:nvPr/>
+        </p:nvGrpSpPr>
+        <p:grpSpPr>
+          <a:xfrm flipH="1">
+            <a:off x="1347298" y="3188626"/>
+            <a:ext cx="1689955" cy="645190"/>
+            <a:chOff x="5679440" y="1323840"/>
+            <a:chExt cx="2468880" cy="911360"/>
+          </a:xfrm>
+        </p:grpSpPr>
+        <p:cxnSp>
+          <p:nvCxnSpPr>
+            <p:cNvPr id="251" name="Straight Connector 250"/>
+            <p:cNvCxnSpPr/>
+            <p:nvPr/>
+          </p:nvCxnSpPr>
+          <p:spPr>
+            <a:xfrm flipH="1">
+              <a:off x="5679440" y="1323840"/>
+              <a:ext cx="0" cy="458658"/>
+            </a:xfrm>
+            <a:prstGeom prst="line">
+              <a:avLst/>
+            </a:prstGeom>
+            <a:ln w="50800" cap="rnd">
+              <a:solidFill>
+                <a:schemeClr val="tx1"/>
+              </a:solidFill>
+              <a:round/>
+              <a:headEnd type="triangle" w="med" len="med"/>
+              <a:tailEnd w="med" len="med"/>
+            </a:ln>
+            <a:effectLst/>
+          </p:spPr>
+          <p:style>
+            <a:lnRef idx="2">
+              <a:schemeClr val="accent1"/>
+            </a:lnRef>
+            <a:fillRef idx="0">
+              <a:schemeClr val="accent1"/>
+            </a:fillRef>
+            <a:effectRef idx="1">
+              <a:schemeClr val="accent1"/>
+            </a:effectRef>
+            <a:fontRef idx="minor">
+              <a:schemeClr val="tx1"/>
+            </a:fontRef>
+          </p:style>
+        </p:cxnSp>
+        <p:cxnSp>
+          <p:nvCxnSpPr>
+            <p:cNvPr id="252" name="Straight Connector 251"/>
+            <p:cNvCxnSpPr/>
+            <p:nvPr/>
+          </p:nvCxnSpPr>
+          <p:spPr>
+            <a:xfrm flipH="1">
+              <a:off x="8148320" y="1782498"/>
+              <a:ext cx="0" cy="452702"/>
+            </a:xfrm>
+            <a:prstGeom prst="line">
+              <a:avLst/>
+            </a:prstGeom>
+            <a:ln w="50800" cap="rnd">
+              <a:solidFill>
+                <a:schemeClr val="tx1"/>
+              </a:solidFill>
+              <a:headEnd type="none" w="med" len="med"/>
+              <a:tailEnd type="triangle" w="med" len="med"/>
+            </a:ln>
+            <a:effectLst/>
+          </p:spPr>
+          <p:style>
+            <a:lnRef idx="2">
+              <a:schemeClr val="accent1"/>
+            </a:lnRef>
+            <a:fillRef idx="0">
+              <a:schemeClr val="accent1"/>
+            </a:fillRef>
+            <a:effectRef idx="1">
+              <a:schemeClr val="accent1"/>
+            </a:effectRef>
+            <a:fontRef idx="minor">
+              <a:schemeClr val="tx1"/>
+            </a:fontRef>
+          </p:style>
+        </p:cxnSp>
+        <p:cxnSp>
+          <p:nvCxnSpPr>
+            <p:cNvPr id="253" name="Straight Arrow Connector 252"/>
+            <p:cNvCxnSpPr/>
+            <p:nvPr/>
+          </p:nvCxnSpPr>
+          <p:spPr>
+            <a:xfrm flipH="1">
+              <a:off x="5679440" y="1782498"/>
+              <a:ext cx="2468880" cy="0"/>
+            </a:xfrm>
+            <a:prstGeom prst="straightConnector1">
+              <a:avLst/>
+            </a:prstGeom>
+            <a:ln w="50800" cap="rnd">
+              <a:solidFill>
+                <a:schemeClr val="tx1"/>
+              </a:solidFill>
+              <a:headEnd w="med" len="med"/>
+              <a:tailEnd type="none" w="med" len="med"/>
+            </a:ln>
+            <a:effectLst/>
+          </p:spPr>
+          <p:style>
+            <a:lnRef idx="2">
+              <a:schemeClr val="accent1"/>
+            </a:lnRef>
+            <a:fillRef idx="0">
+              <a:schemeClr val="accent1"/>
+            </a:fillRef>
+            <a:effectRef idx="1">
+              <a:schemeClr val="accent1"/>
+            </a:effectRef>
+            <a:fontRef idx="minor">
+              <a:schemeClr val="tx1"/>
+            </a:fontRef>
+          </p:style>
+        </p:cxnSp>
+      </p:grpSp>
+      <p:grpSp>
+        <p:nvGrpSpPr>
+          <p:cNvPr id="219" name="Group 218"/>
+          <p:cNvGrpSpPr/>
+          <p:nvPr/>
+        </p:nvGrpSpPr>
+        <p:grpSpPr>
+          <a:xfrm>
+            <a:off x="4726436" y="3190734"/>
+            <a:ext cx="947698" cy="645190"/>
+            <a:chOff x="5679440" y="1323840"/>
+            <a:chExt cx="2468880" cy="911360"/>
+          </a:xfrm>
+        </p:grpSpPr>
+        <p:cxnSp>
+          <p:nvCxnSpPr>
+            <p:cNvPr id="248" name="Straight Connector 247"/>
+            <p:cNvCxnSpPr/>
+            <p:nvPr/>
+          </p:nvCxnSpPr>
+          <p:spPr>
+            <a:xfrm flipH="1">
+              <a:off x="5679440" y="1323840"/>
+              <a:ext cx="0" cy="458658"/>
+            </a:xfrm>
+            <a:prstGeom prst="line">
+              <a:avLst/>
+            </a:prstGeom>
+            <a:ln w="50800" cap="rnd">
+              <a:solidFill>
+                <a:schemeClr val="tx1"/>
+              </a:solidFill>
+              <a:round/>
+              <a:headEnd type="triangle" w="med" len="med"/>
+              <a:tailEnd w="med" len="med"/>
+            </a:ln>
+            <a:effectLst/>
+          </p:spPr>
+          <p:style>
+            <a:lnRef idx="2">
+              <a:schemeClr val="accent1"/>
+            </a:lnRef>
+            <a:fillRef idx="0">
+              <a:schemeClr val="accent1"/>
+            </a:fillRef>
+            <a:effectRef idx="1">
+              <a:schemeClr val="accent1"/>
+            </a:effectRef>
+            <a:fontRef idx="minor">
+              <a:schemeClr val="tx1"/>
+            </a:fontRef>
+          </p:style>
+        </p:cxnSp>
+        <p:cxnSp>
+          <p:nvCxnSpPr>
+            <p:cNvPr id="249" name="Straight Connector 248"/>
+            <p:cNvCxnSpPr/>
+            <p:nvPr/>
+          </p:nvCxnSpPr>
+          <p:spPr>
+            <a:xfrm flipH="1">
+              <a:off x="8148320" y="1782498"/>
+              <a:ext cx="0" cy="452702"/>
+            </a:xfrm>
+            <a:prstGeom prst="line">
+              <a:avLst/>
+            </a:prstGeom>
+            <a:ln w="50800" cap="rnd">
+              <a:solidFill>
+                <a:schemeClr val="tx1"/>
+              </a:solidFill>
+              <a:headEnd type="none" w="med" len="med"/>
+              <a:tailEnd type="triangle" w="med" len="med"/>
+            </a:ln>
+            <a:effectLst/>
+          </p:spPr>
+          <p:style>
+            <a:lnRef idx="2">
+              <a:schemeClr val="accent1"/>
+            </a:lnRef>
+            <a:fillRef idx="0">
+              <a:schemeClr val="accent1"/>
+            </a:fillRef>
+            <a:effectRef idx="1">
+              <a:schemeClr val="accent1"/>
+            </a:effectRef>
+            <a:fontRef idx="minor">
+              <a:schemeClr val="tx1"/>
+            </a:fontRef>
+          </p:style>
+        </p:cxnSp>
+        <p:cxnSp>
+          <p:nvCxnSpPr>
+            <p:cNvPr id="250" name="Straight Arrow Connector 249"/>
+            <p:cNvCxnSpPr/>
+            <p:nvPr/>
+          </p:nvCxnSpPr>
+          <p:spPr>
+            <a:xfrm flipH="1">
+              <a:off x="5679440" y="1782498"/>
+              <a:ext cx="2468880" cy="0"/>
+            </a:xfrm>
+            <a:prstGeom prst="straightConnector1">
+              <a:avLst/>
+            </a:prstGeom>
+            <a:ln w="50800" cap="rnd">
+              <a:solidFill>
+                <a:schemeClr val="tx1"/>
+              </a:solidFill>
+              <a:headEnd w="med" len="med"/>
+              <a:tailEnd type="none" w="med" len="med"/>
+            </a:ln>
+            <a:effectLst/>
+          </p:spPr>
+          <p:style>
+            <a:lnRef idx="2">
+              <a:schemeClr val="accent1"/>
+            </a:lnRef>
+            <a:fillRef idx="0">
+              <a:schemeClr val="accent1"/>
+            </a:fillRef>
+            <a:effectRef idx="1">
+              <a:schemeClr val="accent1"/>
+            </a:effectRef>
+            <a:fontRef idx="minor">
+              <a:schemeClr val="tx1"/>
+            </a:fontRef>
+          </p:style>
+        </p:cxnSp>
+      </p:grpSp>
+      <p:cxnSp>
+        <p:nvCxnSpPr>
+          <p:cNvPr id="220" name="Straight Connector 219"/>
+          <p:cNvCxnSpPr/>
+          <p:nvPr/>
+        </p:nvCxnSpPr>
+        <p:spPr>
+          <a:xfrm>
+            <a:off x="3402700" y="3188625"/>
+            <a:ext cx="0" cy="645190"/>
+          </a:xfrm>
+          <a:prstGeom prst="line">
+            <a:avLst/>
+          </a:prstGeom>
+          <a:ln w="50800" cap="rnd">
+            <a:solidFill>
+              <a:schemeClr val="tx1"/>
+            </a:solidFill>
+            <a:round/>
+            <a:headEnd type="triangle" w="med" len="med"/>
+            <a:tailEnd type="triangle" w="med" len="med"/>
+          </a:ln>
+          <a:effectLst/>
+        </p:spPr>
+        <p:style>
+          <a:lnRef idx="2">
+            <a:schemeClr val="accent1"/>
+          </a:lnRef>
+          <a:fillRef idx="0">
+            <a:schemeClr val="accent1"/>
+          </a:fillRef>
+          <a:effectRef idx="1">
+            <a:schemeClr val="accent1"/>
+          </a:effectRef>
+          <a:fontRef idx="minor">
+            <a:schemeClr val="tx1"/>
+          </a:fontRef>
+        </p:style>
+      </p:cxnSp>
+      <p:cxnSp>
+        <p:nvCxnSpPr>
+          <p:cNvPr id="221" name="Straight Connector 220"/>
+          <p:cNvCxnSpPr/>
+          <p:nvPr/>
+        </p:nvCxnSpPr>
+        <p:spPr>
+          <a:xfrm>
+            <a:off x="4178164" y="3192841"/>
+            <a:ext cx="0" cy="645190"/>
+          </a:xfrm>
+          <a:prstGeom prst="line">
+            <a:avLst/>
+          </a:prstGeom>
+          <a:ln w="50800" cap="rnd">
+            <a:solidFill>
+              <a:schemeClr val="tx1"/>
+            </a:solidFill>
+            <a:round/>
+            <a:headEnd type="triangle" w="med" len="med"/>
+            <a:tailEnd type="triangle" w="med" len="med"/>
+          </a:ln>
+          <a:effectLst/>
+        </p:spPr>
+        <p:style>
+          <a:lnRef idx="2">
+            <a:schemeClr val="accent1"/>
+          </a:lnRef>
+          <a:fillRef idx="0">
+            <a:schemeClr val="accent1"/>
+          </a:fillRef>
+          <a:effectRef idx="1">
+            <a:schemeClr val="accent1"/>
+          </a:effectRef>
+          <a:fontRef idx="minor">
+            <a:schemeClr val="tx1"/>
+          </a:fontRef>
+        </p:style>
+      </p:cxnSp>
+      <p:sp>
+        <p:nvSpPr>
+          <p:cNvPr id="222" name="Rounded Rectangle 221"/>
+          <p:cNvSpPr/>
+          <p:nvPr/>
+        </p:nvSpPr>
+        <p:spPr>
+          <a:xfrm>
+            <a:off x="7482171" y="3833816"/>
+            <a:ext cx="1554325" cy="616547"/>
+          </a:xfrm>
+          <a:prstGeom prst="roundRect">
+            <a:avLst/>
+          </a:prstGeom>
+          <a:solidFill>
+            <a:schemeClr val="accent3"/>
+          </a:solidFill>
+          <a:ln w="63500">
+            <a:solidFill>
+              <a:schemeClr val="accent3"/>
+            </a:solidFill>
+          </a:ln>
+          <a:effectLst/>
+        </p:spPr>
+        <p:style>
+          <a:lnRef idx="1">
+            <a:schemeClr val="accent1"/>
+          </a:lnRef>
+          <a:fillRef idx="3">
+            <a:schemeClr val="accent1"/>
+          </a:fillRef>
+          <a:effectRef idx="2">
+            <a:schemeClr val="accent1"/>
+          </a:effectRef>
+          <a:fontRef idx="minor">
+            <a:schemeClr val="lt1"/>
+          </a:fontRef>
+        </p:style>
+        <p:txBody>
+          <a:bodyPr rtlCol="0" anchor="ctr"/>
+          <a:lstStyle/>
+          <a:p>
+            <a:pPr algn="ctr"/>
+            <a:r>
+              <a:rPr lang="en-GB" sz="2000" b="1" dirty="0" smtClean="0">
+                <a:solidFill>
+                  <a:schemeClr val="bg1"/>
+                </a:solidFill>
+                <a:latin typeface="Palatino"/>
+                <a:ea typeface="Segoe UI" panose="020B0502040204020203" pitchFamily="34" charset="0"/>
+                <a:cs typeface="Palatino"/>
+              </a:rPr>
+              <a:t>Shape</a:t>
+            </a:r>
+            <a:endParaRPr lang="en-GB" sz="2000" b="1" dirty="0">
+              <a:solidFill>
+                <a:schemeClr val="bg1"/>
+              </a:solidFill>
+              <a:latin typeface="Palatino"/>
+              <a:ea typeface="Segoe UI" panose="020B0502040204020203" pitchFamily="34" charset="0"/>
+              <a:cs typeface="Palatino"/>
+            </a:endParaRPr>
+          </a:p>
+        </p:txBody>
+      </p:sp>
+      <p:sp>
+        <p:nvSpPr>
+          <p:cNvPr id="223" name="Rounded Rectangle 222"/>
+          <p:cNvSpPr/>
+          <p:nvPr/>
+        </p:nvSpPr>
+        <p:spPr>
+          <a:xfrm>
+            <a:off x="7681361" y="5133103"/>
+            <a:ext cx="1355135" cy="355234"/>
+          </a:xfrm>
+          <a:prstGeom prst="roundRect">
+            <a:avLst/>
+          </a:prstGeom>
+          <a:solidFill>
+            <a:schemeClr val="accent4">
+              <a:lumMod val="60000"/>
+              <a:lumOff val="40000"/>
+            </a:schemeClr>
+          </a:solidFill>
+          <a:ln w="127000">
+            <a:noFill/>
+          </a:ln>
+          <a:effectLst/>
+        </p:spPr>
+        <p:style>
+          <a:lnRef idx="1">
+            <a:schemeClr val="accent1"/>
+          </a:lnRef>
+          <a:fillRef idx="3">
+            <a:schemeClr val="accent1"/>
+          </a:fillRef>
+          <a:effectRef idx="2">
+            <a:schemeClr val="accent1"/>
+          </a:effectRef>
+          <a:fontRef idx="minor">
+            <a:schemeClr val="lt1"/>
+          </a:fontRef>
+        </p:style>
+        <p:txBody>
+          <a:bodyPr rtlCol="0" anchor="ctr"/>
+          <a:lstStyle/>
+          <a:p>
+            <a:pPr algn="ctr"/>
+            <a:r>
+              <a:rPr lang="en-GB" sz="1600" b="1" dirty="0" smtClean="0">
+                <a:solidFill>
+                  <a:schemeClr val="bg1"/>
+                </a:solidFill>
+                <a:latin typeface="Palatino"/>
+                <a:ea typeface="Segoe UI" panose="020B0502040204020203" pitchFamily="34" charset="0"/>
+                <a:cs typeface="Palatino"/>
+              </a:rPr>
+              <a:t>Boundaries</a:t>
+            </a:r>
+            <a:endParaRPr lang="en-GB" sz="1600" b="1" dirty="0">
+              <a:solidFill>
+                <a:schemeClr val="bg1"/>
+              </a:solidFill>
+              <a:latin typeface="Palatino"/>
+              <a:ea typeface="Segoe UI" panose="020B0502040204020203" pitchFamily="34" charset="0"/>
+              <a:cs typeface="Palatino"/>
+            </a:endParaRPr>
+          </a:p>
+        </p:txBody>
+      </p:sp>
+      <p:sp>
+        <p:nvSpPr>
+          <p:cNvPr id="224" name="Arc 223"/>
+          <p:cNvSpPr/>
+          <p:nvPr/>
+        </p:nvSpPr>
+        <p:spPr>
+          <a:xfrm>
+            <a:off x="6225398" y="5009251"/>
+            <a:ext cx="2130480" cy="958170"/>
+          </a:xfrm>
+          <a:prstGeom prst="arc">
+            <a:avLst>
+              <a:gd name="adj1" fmla="val 11771"/>
+              <a:gd name="adj2" fmla="val 10744110"/>
+            </a:avLst>
+          </a:prstGeom>
+          <a:ln w="50800">
+            <a:solidFill>
+              <a:schemeClr val="accent6"/>
+            </a:solidFill>
+            <a:prstDash val="sysDash"/>
+            <a:headEnd type="triangle" w="lg" len="sm"/>
+            <a:tailEnd type="triangle" w="lg" len="sm"/>
+          </a:ln>
+          <a:effectLst/>
+        </p:spPr>
+        <p:style>
+          <a:lnRef idx="2">
+            <a:schemeClr val="accent1"/>
+          </a:lnRef>
+          <a:fillRef idx="0">
+            <a:schemeClr val="accent1"/>
+          </a:fillRef>
+          <a:effectRef idx="1">
+            <a:schemeClr val="accent1"/>
+          </a:effectRef>
+          <a:fontRef idx="minor">
+            <a:schemeClr val="tx1"/>
+          </a:fontRef>
+        </p:style>
+        <p:txBody>
+          <a:bodyPr rtlCol="0" anchor="ctr"/>
+          <a:lstStyle/>
+          <a:p>
+            <a:pPr algn="ctr"/>
+            <a:endParaRPr lang="en-US" sz="1600" dirty="0"/>
+          </a:p>
+        </p:txBody>
+      </p:sp>
+      <p:sp>
+        <p:nvSpPr>
+          <p:cNvPr id="225" name="TextBox 224"/>
+          <p:cNvSpPr txBox="1"/>
+          <p:nvPr/>
+        </p:nvSpPr>
+        <p:spPr>
+          <a:xfrm>
+            <a:off x="6579724" y="5566564"/>
+            <a:ext cx="1358465" cy="338554"/>
+          </a:xfrm>
+          <a:prstGeom prst="rect">
+            <a:avLst/>
+          </a:prstGeom>
+          <a:noFill/>
+        </p:spPr>
+        <p:txBody>
+          <a:bodyPr wrap="none" rtlCol="0">
+            <a:spAutoFit/>
+          </a:bodyPr>
+          <a:lstStyle/>
+          <a:p>
+            <a:r>
+              <a:rPr lang="en-US" sz="1600" b="1" dirty="0" smtClean="0">
+                <a:solidFill>
+                  <a:schemeClr val="accent6"/>
+                </a:solidFill>
+                <a:latin typeface="Palatino"/>
+                <a:cs typeface="Palatino"/>
+              </a:rPr>
+              <a:t>Connections</a:t>
+            </a:r>
+            <a:endParaRPr lang="en-US" sz="1600" b="1" dirty="0">
+              <a:solidFill>
+                <a:schemeClr val="accent6"/>
+              </a:solidFill>
+              <a:latin typeface="Palatino"/>
+              <a:cs typeface="Palatino"/>
+            </a:endParaRPr>
+          </a:p>
+        </p:txBody>
+      </p:sp>
+      <p:grpSp>
+        <p:nvGrpSpPr>
+          <p:cNvPr id="226" name="Group 225"/>
+          <p:cNvGrpSpPr/>
+          <p:nvPr/>
+        </p:nvGrpSpPr>
+        <p:grpSpPr>
+          <a:xfrm>
+            <a:off x="7804523" y="3188626"/>
+            <a:ext cx="551355" cy="645190"/>
+            <a:chOff x="5679440" y="1323840"/>
+            <a:chExt cx="2468880" cy="911360"/>
+          </a:xfrm>
+        </p:grpSpPr>
+        <p:cxnSp>
+          <p:nvCxnSpPr>
+            <p:cNvPr id="245" name="Straight Connector 244"/>
+            <p:cNvCxnSpPr/>
+            <p:nvPr/>
+          </p:nvCxnSpPr>
+          <p:spPr>
+            <a:xfrm flipH="1">
+              <a:off x="5679440" y="1323840"/>
+              <a:ext cx="0" cy="458658"/>
+            </a:xfrm>
+            <a:prstGeom prst="line">
+              <a:avLst/>
+            </a:prstGeom>
+            <a:ln w="50800" cap="rnd">
+              <a:solidFill>
+                <a:schemeClr val="bg1">
+                  <a:lumMod val="50000"/>
+                </a:schemeClr>
+              </a:solidFill>
+              <a:round/>
+              <a:headEnd type="triangle" w="med" len="med"/>
+              <a:tailEnd w="med" len="med"/>
+            </a:ln>
+            <a:effectLst/>
+          </p:spPr>
+          <p:style>
+            <a:lnRef idx="2">
+              <a:schemeClr val="accent1"/>
+            </a:lnRef>
+            <a:fillRef idx="0">
+              <a:schemeClr val="accent1"/>
+            </a:fillRef>
+            <a:effectRef idx="1">
+              <a:schemeClr val="accent1"/>
+            </a:effectRef>
+            <a:fontRef idx="minor">
+              <a:schemeClr val="tx1"/>
+            </a:fontRef>
+          </p:style>
+        </p:cxnSp>
+        <p:cxnSp>
+          <p:nvCxnSpPr>
+            <p:cNvPr id="246" name="Straight Connector 245"/>
+            <p:cNvCxnSpPr/>
+            <p:nvPr/>
+          </p:nvCxnSpPr>
+          <p:spPr>
+            <a:xfrm flipH="1">
+              <a:off x="8148320" y="1782498"/>
+              <a:ext cx="0" cy="452702"/>
+            </a:xfrm>
+            <a:prstGeom prst="line">
+              <a:avLst/>
+            </a:prstGeom>
+            <a:ln w="50800" cap="rnd">
+              <a:solidFill>
+                <a:schemeClr val="bg1">
+                  <a:lumMod val="50000"/>
+                </a:schemeClr>
+              </a:solidFill>
+              <a:headEnd type="none" w="med" len="med"/>
+              <a:tailEnd type="triangle" w="med" len="med"/>
+            </a:ln>
+            <a:effectLst/>
+          </p:spPr>
+          <p:style>
+            <a:lnRef idx="2">
+              <a:schemeClr val="accent1"/>
+            </a:lnRef>
+            <a:fillRef idx="0">
+              <a:schemeClr val="accent1"/>
+            </a:fillRef>
+            <a:effectRef idx="1">
+              <a:schemeClr val="accent1"/>
+            </a:effectRef>
+            <a:fontRef idx="minor">
+              <a:schemeClr val="tx1"/>
+            </a:fontRef>
+          </p:style>
+        </p:cxnSp>
+        <p:cxnSp>
+          <p:nvCxnSpPr>
+            <p:cNvPr id="247" name="Straight Arrow Connector 246"/>
+            <p:cNvCxnSpPr/>
+            <p:nvPr/>
+          </p:nvCxnSpPr>
+          <p:spPr>
+            <a:xfrm flipH="1">
+              <a:off x="5679440" y="1782498"/>
+              <a:ext cx="2468880" cy="0"/>
+            </a:xfrm>
+            <a:prstGeom prst="straightConnector1">
+              <a:avLst/>
+            </a:prstGeom>
+            <a:ln w="50800" cap="rnd">
+              <a:solidFill>
+                <a:schemeClr val="bg1">
+                  <a:lumMod val="50000"/>
+                </a:schemeClr>
+              </a:solidFill>
+              <a:headEnd w="med" len="med"/>
+              <a:tailEnd type="none" w="med" len="med"/>
+            </a:ln>
+            <a:effectLst/>
+          </p:spPr>
+          <p:style>
+            <a:lnRef idx="2">
+              <a:schemeClr val="accent1"/>
+            </a:lnRef>
+            <a:fillRef idx="0">
+              <a:schemeClr val="accent1"/>
+            </a:fillRef>
+            <a:effectRef idx="1">
+              <a:schemeClr val="accent1"/>
+            </a:effectRef>
+            <a:fontRef idx="minor">
+              <a:schemeClr val="tx1"/>
+            </a:fontRef>
+          </p:style>
+        </p:cxnSp>
+      </p:grpSp>
+      <p:cxnSp>
+        <p:nvCxnSpPr>
+          <p:cNvPr id="227" name="Straight Connector 226"/>
+          <p:cNvCxnSpPr/>
+          <p:nvPr/>
+        </p:nvCxnSpPr>
+        <p:spPr>
+          <a:xfrm>
+            <a:off x="8692214" y="4450363"/>
+            <a:ext cx="0" cy="683818"/>
+          </a:xfrm>
+          <a:prstGeom prst="line">
+            <a:avLst/>
+          </a:prstGeom>
+          <a:ln w="50800" cap="rnd">
+            <a:solidFill>
+              <a:schemeClr val="bg1">
+                <a:lumMod val="50000"/>
+              </a:schemeClr>
+            </a:solidFill>
+            <a:round/>
+            <a:headEnd type="triangle" w="sm" len="sm"/>
+            <a:tailEnd type="triangle" w="sm" len="sm"/>
+          </a:ln>
+          <a:effectLst/>
+        </p:spPr>
+        <p:style>
+          <a:lnRef idx="2">
+            <a:schemeClr val="accent1"/>
+          </a:lnRef>
+          <a:fillRef idx="0">
+            <a:schemeClr val="accent1"/>
+          </a:fillRef>
+          <a:effectRef idx="1">
+            <a:schemeClr val="accent1"/>
+          </a:effectRef>
+          <a:fontRef idx="minor">
+            <a:schemeClr val="tx1"/>
+          </a:fontRef>
+        </p:style>
+      </p:cxnSp>
+      <p:sp>
+        <p:nvSpPr>
+          <p:cNvPr id="228" name="Rounded Rectangle 227"/>
+          <p:cNvSpPr/>
+          <p:nvPr/>
+        </p:nvSpPr>
+        <p:spPr>
+          <a:xfrm>
+            <a:off x="7482171" y="4680211"/>
+            <a:ext cx="677823" cy="355234"/>
+          </a:xfrm>
+          <a:prstGeom prst="roundRect">
+            <a:avLst/>
+          </a:prstGeom>
+          <a:solidFill>
+            <a:schemeClr val="accent4">
+              <a:lumMod val="60000"/>
+              <a:lumOff val="40000"/>
+            </a:schemeClr>
+          </a:solidFill>
+          <a:ln w="127000">
+            <a:noFill/>
+          </a:ln>
+          <a:effectLst/>
+        </p:spPr>
+        <p:style>
+          <a:lnRef idx="1">
+            <a:schemeClr val="accent1"/>
+          </a:lnRef>
+          <a:fillRef idx="3">
+            <a:schemeClr val="accent1"/>
+          </a:fillRef>
+          <a:effectRef idx="2">
+            <a:schemeClr val="accent1"/>
+          </a:effectRef>
+          <a:fontRef idx="minor">
+            <a:schemeClr val="lt1"/>
+          </a:fontRef>
+        </p:style>
+        <p:txBody>
+          <a:bodyPr rtlCol="0" anchor="ctr"/>
+          <a:lstStyle/>
+          <a:p>
+            <a:pPr algn="ctr"/>
+            <a:r>
+              <a:rPr lang="en-GB" sz="1600" b="1" dirty="0" smtClean="0">
+                <a:solidFill>
+                  <a:schemeClr val="bg1"/>
+                </a:solidFill>
+                <a:latin typeface="Palatino"/>
+                <a:ea typeface="Segoe UI" panose="020B0502040204020203" pitchFamily="34" charset="0"/>
+                <a:cs typeface="Palatino"/>
+              </a:rPr>
+              <a:t>Size</a:t>
+            </a:r>
+            <a:endParaRPr lang="en-GB" sz="1600" b="1" dirty="0">
+              <a:solidFill>
+                <a:schemeClr val="bg1"/>
+              </a:solidFill>
+              <a:latin typeface="Palatino"/>
+              <a:ea typeface="Segoe UI" panose="020B0502040204020203" pitchFamily="34" charset="0"/>
+              <a:cs typeface="Palatino"/>
+            </a:endParaRPr>
+          </a:p>
+        </p:txBody>
+      </p:sp>
+      <p:cxnSp>
+        <p:nvCxnSpPr>
+          <p:cNvPr id="229" name="Straight Connector 228"/>
+          <p:cNvCxnSpPr>
+            <a:endCxn id="228" idx="0"/>
+          </p:cNvCxnSpPr>
+          <p:nvPr/>
+        </p:nvCxnSpPr>
+        <p:spPr>
+          <a:xfrm>
+            <a:off x="7804523" y="4451441"/>
+            <a:ext cx="0" cy="228770"/>
+          </a:xfrm>
+          <a:prstGeom prst="line">
+            <a:avLst/>
+          </a:prstGeom>
+          <a:ln w="50800" cap="rnd">
+            <a:solidFill>
+              <a:schemeClr val="bg1">
+                <a:lumMod val="50000"/>
+              </a:schemeClr>
+            </a:solidFill>
+            <a:round/>
+            <a:headEnd type="triangle" w="sm" len="sm"/>
+            <a:tailEnd type="triangle" w="sm" len="sm"/>
+          </a:ln>
+          <a:effectLst/>
+        </p:spPr>
+        <p:style>
+          <a:lnRef idx="2">
+            <a:schemeClr val="accent1"/>
+          </a:lnRef>
+          <a:fillRef idx="0">
+            <a:schemeClr val="accent1"/>
+          </a:fillRef>
+          <a:effectRef idx="1">
+            <a:schemeClr val="accent1"/>
+          </a:effectRef>
+          <a:fontRef idx="minor">
+            <a:schemeClr val="tx1"/>
+          </a:fontRef>
+        </p:style>
+      </p:cxnSp>
+      <p:cxnSp>
+        <p:nvCxnSpPr>
+          <p:cNvPr id="230" name="Straight Connector 229"/>
+          <p:cNvCxnSpPr/>
+          <p:nvPr/>
+        </p:nvCxnSpPr>
+        <p:spPr>
+          <a:xfrm>
+            <a:off x="6561824" y="4449285"/>
+            <a:ext cx="0" cy="683818"/>
+          </a:xfrm>
+          <a:prstGeom prst="line">
+            <a:avLst/>
+          </a:prstGeom>
+          <a:ln w="50800" cap="rnd">
+            <a:solidFill>
+              <a:schemeClr val="tx1"/>
+            </a:solidFill>
+            <a:round/>
+            <a:headEnd type="triangle" w="sm" len="sm"/>
+            <a:tailEnd type="triangle" w="sm" len="sm"/>
+          </a:ln>
+          <a:effectLst/>
+        </p:spPr>
+        <p:style>
+          <a:lnRef idx="2">
+            <a:schemeClr val="accent1"/>
+          </a:lnRef>
+          <a:fillRef idx="0">
+            <a:schemeClr val="accent1"/>
+          </a:fillRef>
+          <a:effectRef idx="1">
+            <a:schemeClr val="accent1"/>
+          </a:effectRef>
+          <a:fontRef idx="minor">
+            <a:schemeClr val="tx1"/>
+          </a:fontRef>
+        </p:style>
+      </p:cxnSp>
+      <p:cxnSp>
+        <p:nvCxnSpPr>
+          <p:cNvPr id="231" name="Straight Connector 230"/>
+          <p:cNvCxnSpPr/>
+          <p:nvPr/>
+        </p:nvCxnSpPr>
+        <p:spPr>
+          <a:xfrm>
+            <a:off x="5674133" y="4450363"/>
+            <a:ext cx="0" cy="228770"/>
+          </a:xfrm>
+          <a:prstGeom prst="line">
+            <a:avLst/>
+          </a:prstGeom>
+          <a:ln w="50800" cap="rnd">
+            <a:solidFill>
+              <a:schemeClr val="tx1"/>
+            </a:solidFill>
+            <a:round/>
+            <a:headEnd type="triangle" w="sm" len="sm"/>
+            <a:tailEnd type="triangle" w="sm" len="sm"/>
+          </a:ln>
+          <a:effectLst/>
+        </p:spPr>
+        <p:style>
+          <a:lnRef idx="2">
+            <a:schemeClr val="accent1"/>
+          </a:lnRef>
+          <a:fillRef idx="0">
+            <a:schemeClr val="accent1"/>
+          </a:fillRef>
+          <a:effectRef idx="1">
+            <a:schemeClr val="accent1"/>
+          </a:effectRef>
+          <a:fontRef idx="minor">
+            <a:schemeClr val="tx1"/>
+          </a:fontRef>
+        </p:style>
+      </p:cxnSp>
+      <p:cxnSp>
+        <p:nvCxnSpPr>
+          <p:cNvPr id="232" name="Straight Connector 231"/>
+          <p:cNvCxnSpPr/>
+          <p:nvPr/>
+        </p:nvCxnSpPr>
+        <p:spPr>
+          <a:xfrm>
+            <a:off x="510211" y="3188625"/>
+            <a:ext cx="0" cy="375956"/>
+          </a:xfrm>
+          <a:prstGeom prst="line">
+            <a:avLst/>
+          </a:prstGeom>
+          <a:ln w="50800" cap="rnd">
+            <a:solidFill>
+              <a:schemeClr val="bg1">
+                <a:lumMod val="50000"/>
+              </a:schemeClr>
+            </a:solidFill>
+            <a:round/>
+            <a:headEnd type="triangle" w="med" len="med"/>
+            <a:tailEnd type="triangle" w="med" len="med"/>
+          </a:ln>
+          <a:effectLst/>
+        </p:spPr>
+        <p:style>
+          <a:lnRef idx="2">
+            <a:schemeClr val="accent1"/>
+          </a:lnRef>
+          <a:fillRef idx="0">
+            <a:schemeClr val="accent1"/>
+          </a:fillRef>
+          <a:effectRef idx="1">
+            <a:schemeClr val="accent1"/>
+          </a:effectRef>
+          <a:fontRef idx="minor">
+            <a:schemeClr val="tx1"/>
+          </a:fontRef>
+        </p:style>
+      </p:cxnSp>
+      <p:sp>
+        <p:nvSpPr>
+          <p:cNvPr id="233" name="TextBox 232"/>
+          <p:cNvSpPr txBox="1"/>
+          <p:nvPr/>
+        </p:nvSpPr>
+        <p:spPr>
+          <a:xfrm>
+            <a:off x="271148" y="3434741"/>
+            <a:ext cx="477747" cy="282291"/>
+          </a:xfrm>
+          <a:prstGeom prst="rect">
+            <a:avLst/>
+          </a:prstGeom>
+          <a:noFill/>
+        </p:spPr>
+        <p:txBody>
+          <a:bodyPr wrap="square" tIns="0" bIns="72000" rtlCol="0" anchor="ctr">
+            <a:spAutoFit/>
+          </a:bodyPr>
+          <a:lstStyle/>
+          <a:p>
+            <a:pPr algn="ctr"/>
+            <a:r>
+              <a:rPr lang="is-IS" sz="1600" dirty="0" smtClean="0">
+                <a:solidFill>
+                  <a:schemeClr val="tx1">
+                    <a:lumMod val="50000"/>
+                    <a:lumOff val="50000"/>
+                  </a:schemeClr>
+                </a:solidFill>
+                <a:latin typeface="Palatino"/>
+                <a:cs typeface="Palatino"/>
+              </a:rPr>
+              <a:t>…</a:t>
+            </a:r>
+            <a:endParaRPr lang="en-US" sz="1600" dirty="0">
+              <a:solidFill>
+                <a:schemeClr val="tx1">
+                  <a:lumMod val="50000"/>
+                  <a:lumOff val="50000"/>
+                </a:schemeClr>
+              </a:solidFill>
+              <a:latin typeface="Palatino"/>
+              <a:cs typeface="Palatino"/>
+            </a:endParaRPr>
+          </a:p>
+        </p:txBody>
+      </p:sp>
+      <p:cxnSp>
+        <p:nvCxnSpPr>
+          <p:cNvPr id="234" name="Straight Connector 233"/>
+          <p:cNvCxnSpPr/>
+          <p:nvPr/>
+        </p:nvCxnSpPr>
+        <p:spPr>
+          <a:xfrm>
+            <a:off x="4428174" y="4451441"/>
+            <a:ext cx="0" cy="228770"/>
+          </a:xfrm>
+          <a:prstGeom prst="line">
+            <a:avLst/>
+          </a:prstGeom>
+          <a:ln w="50800" cap="rnd">
+            <a:solidFill>
+              <a:schemeClr val="tx1"/>
+            </a:solidFill>
+            <a:round/>
+            <a:headEnd type="triangle" w="sm" len="sm"/>
+            <a:tailEnd type="triangle" w="sm" len="sm"/>
+          </a:ln>
+          <a:effectLst/>
+        </p:spPr>
+        <p:style>
+          <a:lnRef idx="2">
+            <a:schemeClr val="accent1"/>
+          </a:lnRef>
+          <a:fillRef idx="0">
+            <a:schemeClr val="accent1"/>
+          </a:fillRef>
+          <a:effectRef idx="1">
+            <a:schemeClr val="accent1"/>
+          </a:effectRef>
+          <a:fontRef idx="minor">
+            <a:schemeClr val="tx1"/>
+          </a:fontRef>
+        </p:style>
+      </p:cxnSp>
+      <p:cxnSp>
+        <p:nvCxnSpPr>
+          <p:cNvPr id="235" name="Straight Connector 234"/>
+          <p:cNvCxnSpPr/>
+          <p:nvPr/>
+        </p:nvCxnSpPr>
+        <p:spPr>
+          <a:xfrm>
+            <a:off x="2227585" y="4453628"/>
+            <a:ext cx="0" cy="228770"/>
+          </a:xfrm>
+          <a:prstGeom prst="line">
+            <a:avLst/>
+          </a:prstGeom>
+          <a:ln w="50800" cap="rnd">
+            <a:solidFill>
+              <a:schemeClr val="tx1"/>
+            </a:solidFill>
+            <a:round/>
+            <a:headEnd type="triangle" w="sm" len="sm"/>
+            <a:tailEnd type="triangle" w="sm" len="sm"/>
+          </a:ln>
+          <a:effectLst/>
+        </p:spPr>
+        <p:style>
+          <a:lnRef idx="2">
+            <a:schemeClr val="accent1"/>
+          </a:lnRef>
+          <a:fillRef idx="0">
+            <a:schemeClr val="accent1"/>
+          </a:fillRef>
+          <a:effectRef idx="1">
+            <a:schemeClr val="accent1"/>
+          </a:effectRef>
+          <a:fontRef idx="minor">
+            <a:schemeClr val="tx1"/>
+          </a:fontRef>
+        </p:style>
+      </p:cxnSp>
+      <p:cxnSp>
+        <p:nvCxnSpPr>
+          <p:cNvPr id="236" name="Straight Connector 235"/>
+          <p:cNvCxnSpPr/>
+          <p:nvPr/>
+        </p:nvCxnSpPr>
+        <p:spPr>
+          <a:xfrm>
+            <a:off x="3037253" y="4453628"/>
+            <a:ext cx="0" cy="635910"/>
+          </a:xfrm>
+          <a:prstGeom prst="line">
+            <a:avLst/>
+          </a:prstGeom>
+          <a:ln w="50800" cap="rnd">
+            <a:solidFill>
+              <a:schemeClr val="tx1"/>
+            </a:solidFill>
+            <a:round/>
+            <a:headEnd type="triangle" w="sm" len="sm"/>
+            <a:tailEnd type="triangle" w="sm" len="sm"/>
+          </a:ln>
+          <a:effectLst/>
+        </p:spPr>
+        <p:style>
+          <a:lnRef idx="2">
+            <a:schemeClr val="accent1"/>
+          </a:lnRef>
+          <a:fillRef idx="0">
+            <a:schemeClr val="accent1"/>
+          </a:fillRef>
+          <a:effectRef idx="1">
+            <a:schemeClr val="accent1"/>
+          </a:effectRef>
+          <a:fontRef idx="minor">
+            <a:schemeClr val="tx1"/>
+          </a:fontRef>
+        </p:style>
+      </p:cxnSp>
+      <p:cxnSp>
+        <p:nvCxnSpPr>
+          <p:cNvPr id="237" name="Straight Connector 236"/>
+          <p:cNvCxnSpPr/>
+          <p:nvPr/>
+        </p:nvCxnSpPr>
+        <p:spPr>
+          <a:xfrm>
+            <a:off x="3870138" y="4451441"/>
+            <a:ext cx="0" cy="638097"/>
+          </a:xfrm>
+          <a:prstGeom prst="line">
+            <a:avLst/>
+          </a:prstGeom>
+          <a:ln w="50800" cap="rnd">
+            <a:solidFill>
+              <a:schemeClr val="tx1"/>
+            </a:solidFill>
+            <a:round/>
+            <a:headEnd type="triangle" w="sm" len="sm"/>
+            <a:tailEnd type="triangle" w="sm" len="sm"/>
+          </a:ln>
+          <a:effectLst/>
+        </p:spPr>
+        <p:style>
+          <a:lnRef idx="2">
+            <a:schemeClr val="accent1"/>
+          </a:lnRef>
+          <a:fillRef idx="0">
+            <a:schemeClr val="accent1"/>
+          </a:fillRef>
+          <a:effectRef idx="1">
+            <a:schemeClr val="accent1"/>
+          </a:effectRef>
+          <a:fontRef idx="minor">
+            <a:schemeClr val="tx1"/>
+          </a:fontRef>
+        </p:style>
+      </p:cxnSp>
+      <p:grpSp>
+        <p:nvGrpSpPr>
+          <p:cNvPr id="238" name="Group 237"/>
+          <p:cNvGrpSpPr/>
+          <p:nvPr/>
+        </p:nvGrpSpPr>
+        <p:grpSpPr>
+          <a:xfrm>
+            <a:off x="6937684" y="3192844"/>
+            <a:ext cx="477747" cy="518457"/>
+            <a:chOff x="20616450" y="31451750"/>
+            <a:chExt cx="771063" cy="836768"/>
+          </a:xfrm>
+        </p:grpSpPr>
+        <p:cxnSp>
+          <p:nvCxnSpPr>
+            <p:cNvPr id="243" name="Straight Connector 242"/>
+            <p:cNvCxnSpPr/>
+            <p:nvPr/>
+          </p:nvCxnSpPr>
+          <p:spPr>
+            <a:xfrm>
+              <a:off x="21002288" y="31451750"/>
+              <a:ext cx="0" cy="606777"/>
+            </a:xfrm>
+            <a:prstGeom prst="line">
+              <a:avLst/>
+            </a:prstGeom>
+            <a:ln w="50800" cap="rnd">
+              <a:solidFill>
+                <a:schemeClr val="bg1">
+                  <a:lumMod val="50000"/>
+                </a:schemeClr>
+              </a:solidFill>
+              <a:round/>
+              <a:headEnd type="triangle" w="med" len="med"/>
+              <a:tailEnd type="triangle" w="med" len="med"/>
+            </a:ln>
+            <a:effectLst/>
+          </p:spPr>
+          <p:style>
+            <a:lnRef idx="2">
+              <a:schemeClr val="accent1"/>
+            </a:lnRef>
+            <a:fillRef idx="0">
+              <a:schemeClr val="accent1"/>
+            </a:fillRef>
+            <a:effectRef idx="1">
+              <a:schemeClr val="accent1"/>
+            </a:effectRef>
+            <a:fontRef idx="minor">
+              <a:schemeClr val="tx1"/>
+            </a:fontRef>
+          </p:style>
+        </p:cxnSp>
+        <p:sp>
+          <p:nvSpPr>
+            <p:cNvPr id="244" name="TextBox 243"/>
+            <p:cNvSpPr txBox="1"/>
+            <p:nvPr/>
+          </p:nvSpPr>
+          <p:spPr>
+            <a:xfrm>
+              <a:off x="20616450" y="31832912"/>
+              <a:ext cx="771063" cy="455606"/>
+            </a:xfrm>
+            <a:prstGeom prst="rect">
+              <a:avLst/>
+            </a:prstGeom>
+            <a:noFill/>
+            <a:ln>
+              <a:noFill/>
+              <a:headEnd w="med" len="med"/>
+              <a:tailEnd w="med" len="med"/>
+            </a:ln>
+          </p:spPr>
+          <p:txBody>
+            <a:bodyPr wrap="square" tIns="0" bIns="72000" rtlCol="0" anchor="ctr">
+              <a:spAutoFit/>
+            </a:bodyPr>
+            <a:lstStyle/>
+            <a:p>
+              <a:pPr algn="ctr"/>
+              <a:r>
+                <a:rPr lang="is-IS" sz="1600" dirty="0" smtClean="0">
+                  <a:solidFill>
+                    <a:schemeClr val="tx1">
+                      <a:lumMod val="50000"/>
+                      <a:lumOff val="50000"/>
+                    </a:schemeClr>
+                  </a:solidFill>
+                  <a:latin typeface="Palatino"/>
+                  <a:cs typeface="Palatino"/>
+                </a:rPr>
+                <a:t>…</a:t>
+              </a:r>
+              <a:endParaRPr lang="en-US" sz="1600" dirty="0">
+                <a:solidFill>
+                  <a:schemeClr val="tx1">
+                    <a:lumMod val="50000"/>
+                    <a:lumOff val="50000"/>
+                  </a:schemeClr>
+                </a:solidFill>
+                <a:latin typeface="Palatino"/>
+                <a:cs typeface="Palatino"/>
+              </a:endParaRPr>
+            </a:p>
+          </p:txBody>
+        </p:sp>
+      </p:grpSp>
+      <p:sp>
+        <p:nvSpPr>
+          <p:cNvPr id="241" name="Rounded Rectangle 240"/>
+          <p:cNvSpPr/>
+          <p:nvPr/>
+        </p:nvSpPr>
+        <p:spPr>
+          <a:xfrm>
+            <a:off x="5978974" y="701522"/>
+            <a:ext cx="1554325" cy="616547"/>
+          </a:xfrm>
+          <a:prstGeom prst="roundRect">
+            <a:avLst/>
+          </a:prstGeom>
+          <a:solidFill>
+            <a:schemeClr val="tx1"/>
+          </a:solidFill>
+          <a:ln w="63500">
+            <a:noFill/>
+          </a:ln>
+          <a:effectLst/>
+        </p:spPr>
+        <p:style>
+          <a:lnRef idx="1">
+            <a:schemeClr val="accent1"/>
+          </a:lnRef>
+          <a:fillRef idx="3">
+            <a:schemeClr val="accent1"/>
+          </a:fillRef>
+          <a:effectRef idx="2">
+            <a:schemeClr val="accent1"/>
+          </a:effectRef>
+          <a:fontRef idx="minor">
+            <a:schemeClr val="lt1"/>
+          </a:fontRef>
+        </p:style>
+        <p:txBody>
+          <a:bodyPr rtlCol="0" anchor="ctr"/>
+          <a:lstStyle/>
+          <a:p>
+            <a:pPr algn="ctr"/>
+            <a:r>
+              <a:rPr lang="en-GB" sz="2400" b="1" dirty="0" smtClean="0">
+                <a:solidFill>
+                  <a:schemeClr val="bg1"/>
+                </a:solidFill>
+                <a:latin typeface="Palatino"/>
+                <a:ea typeface="Segoe UI" panose="020B0502040204020203" pitchFamily="34" charset="0"/>
+                <a:cs typeface="Palatino"/>
+              </a:rPr>
+              <a:t>Timer</a:t>
+            </a:r>
+            <a:endParaRPr lang="en-GB" sz="2400" b="1" dirty="0">
+              <a:solidFill>
+                <a:schemeClr val="bg1"/>
+              </a:solidFill>
+              <a:latin typeface="Palatino"/>
+              <a:ea typeface="Segoe UI" panose="020B0502040204020203" pitchFamily="34" charset="0"/>
+              <a:cs typeface="Palatino"/>
+            </a:endParaRPr>
+          </a:p>
+        </p:txBody>
+      </p:sp>
+      <p:cxnSp>
+        <p:nvCxnSpPr>
+          <p:cNvPr id="242" name="Straight Connector 241"/>
+          <p:cNvCxnSpPr>
+            <a:stCxn id="199" idx="3"/>
+          </p:cNvCxnSpPr>
+          <p:nvPr/>
+        </p:nvCxnSpPr>
+        <p:spPr>
+          <a:xfrm>
+            <a:off x="5509970" y="1047369"/>
+            <a:ext cx="469004" cy="0"/>
+          </a:xfrm>
+          <a:prstGeom prst="line">
+            <a:avLst/>
+          </a:prstGeom>
+          <a:ln w="50800" cap="rnd">
+            <a:solidFill>
+              <a:schemeClr val="tx1"/>
+            </a:solidFill>
+            <a:round/>
+            <a:headEnd type="triangle" w="med" len="med"/>
+            <a:tailEnd type="triangle" w="med" len="med"/>
+          </a:ln>
+          <a:effectLst/>
+        </p:spPr>
+        <p:style>
+          <a:lnRef idx="2">
+            <a:schemeClr val="accent1"/>
+          </a:lnRef>
+          <a:fillRef idx="0">
+            <a:schemeClr val="accent1"/>
+          </a:fillRef>
+          <a:effectRef idx="1">
+            <a:schemeClr val="accent1"/>
+          </a:effectRef>
+          <a:fontRef idx="minor">
+            <a:schemeClr val="tx1"/>
+          </a:fontRef>
+        </p:style>
+      </p:cxnSp>
+      <p:grpSp>
+        <p:nvGrpSpPr>
+          <p:cNvPr id="64" name="Group 63"/>
+          <p:cNvGrpSpPr/>
+          <p:nvPr/>
+        </p:nvGrpSpPr>
+        <p:grpSpPr>
+          <a:xfrm>
+            <a:off x="4598579" y="1558511"/>
+            <a:ext cx="911391" cy="1071955"/>
+            <a:chOff x="5679440" y="1323840"/>
+            <a:chExt cx="2468880" cy="911360"/>
+          </a:xfrm>
+        </p:grpSpPr>
+        <p:cxnSp>
+          <p:nvCxnSpPr>
+            <p:cNvPr id="65" name="Straight Connector 64"/>
+            <p:cNvCxnSpPr/>
+            <p:nvPr/>
+          </p:nvCxnSpPr>
+          <p:spPr>
+            <a:xfrm>
+              <a:off x="5679440" y="1323840"/>
+              <a:ext cx="0" cy="359508"/>
+            </a:xfrm>
+            <a:prstGeom prst="line">
+              <a:avLst/>
+            </a:prstGeom>
+            <a:ln w="50800" cap="rnd">
+              <a:solidFill>
+                <a:schemeClr val="bg1">
+                  <a:lumMod val="50000"/>
+                </a:schemeClr>
+              </a:solidFill>
+              <a:round/>
+              <a:headEnd type="triangle" w="med" len="med"/>
+              <a:tailEnd w="med" len="med"/>
+            </a:ln>
+            <a:effectLst/>
+          </p:spPr>
+          <p:style>
+            <a:lnRef idx="2">
+              <a:schemeClr val="accent1"/>
+            </a:lnRef>
+            <a:fillRef idx="0">
+              <a:schemeClr val="accent1"/>
+            </a:fillRef>
+            <a:effectRef idx="1">
+              <a:schemeClr val="accent1"/>
+            </a:effectRef>
+            <a:fontRef idx="minor">
+              <a:schemeClr val="tx1"/>
+            </a:fontRef>
+          </p:style>
+        </p:cxnSp>
+        <p:cxnSp>
+          <p:nvCxnSpPr>
+            <p:cNvPr id="66" name="Straight Connector 65"/>
+            <p:cNvCxnSpPr/>
+            <p:nvPr/>
+          </p:nvCxnSpPr>
+          <p:spPr>
+            <a:xfrm>
+              <a:off x="8148320" y="1683348"/>
+              <a:ext cx="0" cy="551852"/>
+            </a:xfrm>
+            <a:prstGeom prst="line">
+              <a:avLst/>
+            </a:prstGeom>
+            <a:ln w="50800" cap="rnd">
+              <a:solidFill>
+                <a:schemeClr val="bg1">
+                  <a:lumMod val="50000"/>
+                </a:schemeClr>
+              </a:solidFill>
+              <a:headEnd type="none" w="med" len="med"/>
+              <a:tailEnd type="triangle" w="med" len="med"/>
+            </a:ln>
+            <a:effectLst/>
+          </p:spPr>
+          <p:style>
+            <a:lnRef idx="2">
+              <a:schemeClr val="accent1"/>
+            </a:lnRef>
+            <a:fillRef idx="0">
+              <a:schemeClr val="accent1"/>
+            </a:fillRef>
+            <a:effectRef idx="1">
+              <a:schemeClr val="accent1"/>
+            </a:effectRef>
+            <a:fontRef idx="minor">
+              <a:schemeClr val="tx1"/>
+            </a:fontRef>
+          </p:style>
+        </p:cxnSp>
+        <p:cxnSp>
+          <p:nvCxnSpPr>
+            <p:cNvPr id="67" name="Straight Arrow Connector 66"/>
+            <p:cNvCxnSpPr/>
+            <p:nvPr/>
+          </p:nvCxnSpPr>
+          <p:spPr>
+            <a:xfrm flipH="1">
+              <a:off x="5679440" y="1683348"/>
+              <a:ext cx="2468880" cy="0"/>
+            </a:xfrm>
+            <a:prstGeom prst="straightConnector1">
+              <a:avLst/>
+            </a:prstGeom>
+            <a:ln w="50800" cap="rnd">
+              <a:solidFill>
+                <a:schemeClr val="bg1">
+                  <a:lumMod val="50000"/>
+                </a:schemeClr>
+              </a:solidFill>
+              <a:headEnd w="med" len="med"/>
+              <a:tailEnd type="none" w="med" len="med"/>
+            </a:ln>
+            <a:effectLst/>
+          </p:spPr>
+          <p:style>
+            <a:lnRef idx="2">
+              <a:schemeClr val="accent1"/>
+            </a:lnRef>
+            <a:fillRef idx="0">
+              <a:schemeClr val="accent1"/>
+            </a:fillRef>
+            <a:effectRef idx="1">
+              <a:schemeClr val="accent1"/>
+            </a:effectRef>
+            <a:fontRef idx="minor">
+              <a:schemeClr val="tx1"/>
+            </a:fontRef>
+          </p:style>
+        </p:cxnSp>
+      </p:grpSp>
+    </p:spTree>
+    <p:extLst>
+      <p:ext uri="{BB962C8B-B14F-4D97-AF65-F5344CB8AC3E}">
+        <p14:creationId xmlns:p14="http://schemas.microsoft.com/office/powerpoint/2010/main" val="1840430528"/>
+      </p:ext>
+    </p:extLst>
+  </p:cSld>
+  <p:clrMapOvr>
+    <a:masterClrMapping/>
+  </p:clrMapOvr>
+  <p:timing>
+    <p:tnLst>
+      <p:par>
+        <p:cTn xmlns:p14="http://schemas.microsoft.com/office/powerpoint/2010/main" id="1" dur="indefinite" restart="never" nodeType="tmRoot"/>
+      </p:par>
+    </p:tnLst>
+  </p:timing>
 </p:sld>
 </file>
 
